--- a/Hw6/ML_PingPong.pptx
+++ b/Hw6/ML_PingPong.pptx
@@ -8,6 +8,10 @@
     <p:sldId id="256" r:id="rId2"/>
     <p:sldId id="257" r:id="rId3"/>
     <p:sldId id="258" r:id="rId4"/>
+    <p:sldId id="259" r:id="rId5"/>
+    <p:sldId id="260" r:id="rId6"/>
+    <p:sldId id="262" r:id="rId7"/>
+    <p:sldId id="261" r:id="rId8"/>
   </p:sldIdLst>
   <p:sldSz cx="12192000" cy="6858000"/>
   <p:notesSz cx="6858000" cy="9144000"/>
@@ -445,7 +449,7 @@
           <a:p>
             <a:fld id="{CC1EB1E0-D451-4E51-B5B8-D343500E021C}" type="datetimeFigureOut">
               <a:rPr lang="zh-TW" altLang="en-US" smtClean="0"/>
-              <a:t>2019/11/26</a:t>
+              <a:t>2019/11/28</a:t>
             </a:fld>
             <a:endParaRPr lang="zh-TW" altLang="en-US"/>
           </a:p>
@@ -769,7 +773,7 @@
           <a:p>
             <a:fld id="{CC1EB1E0-D451-4E51-B5B8-D343500E021C}" type="datetimeFigureOut">
               <a:rPr lang="zh-TW" altLang="en-US" smtClean="0"/>
-              <a:t>2019/11/26</a:t>
+              <a:t>2019/11/28</a:t>
             </a:fld>
             <a:endParaRPr lang="zh-TW" altLang="en-US"/>
           </a:p>
@@ -1017,7 +1021,7 @@
           <a:p>
             <a:fld id="{CC1EB1E0-D451-4E51-B5B8-D343500E021C}" type="datetimeFigureOut">
               <a:rPr lang="zh-TW" altLang="en-US" smtClean="0"/>
-              <a:t>2019/11/26</a:t>
+              <a:t>2019/11/28</a:t>
             </a:fld>
             <a:endParaRPr lang="zh-TW" altLang="en-US"/>
           </a:p>
@@ -1356,7 +1360,7 @@
           <a:p>
             <a:fld id="{CC1EB1E0-D451-4E51-B5B8-D343500E021C}" type="datetimeFigureOut">
               <a:rPr lang="zh-TW" altLang="en-US" smtClean="0"/>
-              <a:t>2019/11/26</a:t>
+              <a:t>2019/11/28</a:t>
             </a:fld>
             <a:endParaRPr lang="zh-TW" altLang="en-US"/>
           </a:p>
@@ -1703,7 +1707,7 @@
           <a:p>
             <a:fld id="{CC1EB1E0-D451-4E51-B5B8-D343500E021C}" type="datetimeFigureOut">
               <a:rPr lang="zh-TW" altLang="en-US" smtClean="0"/>
-              <a:t>2019/11/26</a:t>
+              <a:t>2019/11/28</a:t>
             </a:fld>
             <a:endParaRPr lang="zh-TW" altLang="en-US"/>
           </a:p>
@@ -2077,7 +2081,7 @@
           <a:p>
             <a:fld id="{CC1EB1E0-D451-4E51-B5B8-D343500E021C}" type="datetimeFigureOut">
               <a:rPr lang="zh-TW" altLang="en-US" smtClean="0"/>
-              <a:t>2019/11/26</a:t>
+              <a:t>2019/11/28</a:t>
             </a:fld>
             <a:endParaRPr lang="zh-TW" altLang="en-US"/>
           </a:p>
@@ -2547,7 +2551,7 @@
           <a:p>
             <a:fld id="{CC1EB1E0-D451-4E51-B5B8-D343500E021C}" type="datetimeFigureOut">
               <a:rPr lang="zh-TW" altLang="en-US" smtClean="0"/>
-              <a:t>2019/11/26</a:t>
+              <a:t>2019/11/28</a:t>
             </a:fld>
             <a:endParaRPr lang="zh-TW" altLang="en-US"/>
           </a:p>
@@ -2752,7 +2756,7 @@
           <a:p>
             <a:fld id="{CC1EB1E0-D451-4E51-B5B8-D343500E021C}" type="datetimeFigureOut">
               <a:rPr lang="zh-TW" altLang="en-US" smtClean="0"/>
-              <a:t>2019/11/26</a:t>
+              <a:t>2019/11/28</a:t>
             </a:fld>
             <a:endParaRPr lang="zh-TW" altLang="en-US"/>
           </a:p>
@@ -2963,7 +2967,7 @@
           <a:p>
             <a:fld id="{CC1EB1E0-D451-4E51-B5B8-D343500E021C}" type="datetimeFigureOut">
               <a:rPr lang="zh-TW" altLang="en-US" smtClean="0"/>
-              <a:t>2019/11/26</a:t>
+              <a:t>2019/11/28</a:t>
             </a:fld>
             <a:endParaRPr lang="zh-TW" altLang="en-US"/>
           </a:p>
@@ -3195,7 +3199,7 @@
           <a:p>
             <a:fld id="{CC1EB1E0-D451-4E51-B5B8-D343500E021C}" type="datetimeFigureOut">
               <a:rPr lang="zh-TW" altLang="en-US" smtClean="0"/>
-              <a:t>2019/11/26</a:t>
+              <a:t>2019/11/28</a:t>
             </a:fld>
             <a:endParaRPr lang="zh-TW" altLang="en-US"/>
           </a:p>
@@ -3443,7 +3447,7 @@
           <a:p>
             <a:fld id="{CC1EB1E0-D451-4E51-B5B8-D343500E021C}" type="datetimeFigureOut">
               <a:rPr lang="zh-TW" altLang="en-US" smtClean="0"/>
-              <a:t>2019/11/26</a:t>
+              <a:t>2019/11/28</a:t>
             </a:fld>
             <a:endParaRPr lang="zh-TW" altLang="en-US"/>
           </a:p>
@@ -3741,7 +3745,7 @@
           <a:p>
             <a:fld id="{CC1EB1E0-D451-4E51-B5B8-D343500E021C}" type="datetimeFigureOut">
               <a:rPr lang="zh-TW" altLang="en-US" smtClean="0"/>
-              <a:t>2019/11/26</a:t>
+              <a:t>2019/11/28</a:t>
             </a:fld>
             <a:endParaRPr lang="zh-TW" altLang="en-US"/>
           </a:p>
@@ -4135,7 +4139,7 @@
           <a:p>
             <a:fld id="{CC1EB1E0-D451-4E51-B5B8-D343500E021C}" type="datetimeFigureOut">
               <a:rPr lang="zh-TW" altLang="en-US" smtClean="0"/>
-              <a:t>2019/11/26</a:t>
+              <a:t>2019/11/28</a:t>
             </a:fld>
             <a:endParaRPr lang="zh-TW" altLang="en-US"/>
           </a:p>
@@ -4284,7 +4288,7 @@
           <a:p>
             <a:fld id="{CC1EB1E0-D451-4E51-B5B8-D343500E021C}" type="datetimeFigureOut">
               <a:rPr lang="zh-TW" altLang="en-US" smtClean="0"/>
-              <a:t>2019/11/26</a:t>
+              <a:t>2019/11/28</a:t>
             </a:fld>
             <a:endParaRPr lang="zh-TW" altLang="en-US"/>
           </a:p>
@@ -4410,7 +4414,7 @@
           <a:p>
             <a:fld id="{CC1EB1E0-D451-4E51-B5B8-D343500E021C}" type="datetimeFigureOut">
               <a:rPr lang="zh-TW" altLang="en-US" smtClean="0"/>
-              <a:t>2019/11/26</a:t>
+              <a:t>2019/11/28</a:t>
             </a:fld>
             <a:endParaRPr lang="zh-TW" altLang="en-US"/>
           </a:p>
@@ -4665,7 +4669,7 @@
           <a:p>
             <a:fld id="{CC1EB1E0-D451-4E51-B5B8-D343500E021C}" type="datetimeFigureOut">
               <a:rPr lang="zh-TW" altLang="en-US" smtClean="0"/>
-              <a:t>2019/11/26</a:t>
+              <a:t>2019/11/28</a:t>
             </a:fld>
             <a:endParaRPr lang="zh-TW" altLang="en-US"/>
           </a:p>
@@ -4980,7 +4984,7 @@
           <a:p>
             <a:fld id="{CC1EB1E0-D451-4E51-B5B8-D343500E021C}" type="datetimeFigureOut">
               <a:rPr lang="zh-TW" altLang="en-US" smtClean="0"/>
-              <a:t>2019/11/26</a:t>
+              <a:t>2019/11/28</a:t>
             </a:fld>
             <a:endParaRPr lang="zh-TW" altLang="en-US"/>
           </a:p>
@@ -5331,7 +5335,7 @@
           <a:p>
             <a:fld id="{CC1EB1E0-D451-4E51-B5B8-D343500E021C}" type="datetimeFigureOut">
               <a:rPr lang="zh-TW" altLang="en-US" smtClean="0"/>
-              <a:t>2019/11/26</a:t>
+              <a:t>2019/11/28</a:t>
             </a:fld>
             <a:endParaRPr lang="zh-TW" altLang="en-US"/>
           </a:p>
@@ -6035,7 +6039,7 @@
         </p:spPr>
         <p:txBody>
           <a:bodyPr>
-            <a:normAutofit/>
+            <a:normAutofit lnSpcReduction="10000"/>
           </a:bodyPr>
           <a:lstStyle/>
           <a:p>
@@ -6048,14 +6052,13 @@
           <a:p>
             <a:pPr lvl="1"/>
             <a:r>
-              <a:rPr lang="en-US" altLang="zh-TW" dirty="0"/>
+              <a:rPr lang="en-US" altLang="zh-TW" sz="1800" dirty="0"/>
               <a:t>B504</a:t>
             </a:r>
             <a:r>
-              <a:rPr lang="zh-TW" altLang="en-US" dirty="0"/>
+              <a:rPr lang="zh-TW" altLang="en-US" sz="1800" dirty="0"/>
               <a:t> 電腦設備進行遊戲</a:t>
             </a:r>
-            <a:endParaRPr lang="en-US" altLang="zh-TW" dirty="0"/>
           </a:p>
           <a:p>
             <a:r>
@@ -6067,10 +6070,25 @@
           <a:p>
             <a:pPr lvl="1"/>
             <a:r>
-              <a:rPr lang="zh-TW" altLang="en-US" dirty="0"/>
+              <a:rPr lang="zh-TW" altLang="en-US" sz="1800" dirty="0"/>
               <a:t>任何速度都不會漏接球</a:t>
             </a:r>
-            <a:endParaRPr lang="en-US" altLang="zh-TW" dirty="0"/>
+            <a:endParaRPr lang="en-US" altLang="zh-TW" sz="1800" dirty="0"/>
+          </a:p>
+          <a:p>
+            <a:pPr lvl="1"/>
+            <a:r>
+              <a:rPr lang="en-US" altLang="zh-TW" sz="1800" dirty="0"/>
+              <a:t>SVM</a:t>
+            </a:r>
+            <a:r>
+              <a:rPr lang="zh-TW" altLang="en-US" sz="1800" dirty="0"/>
+              <a:t>訓練</a:t>
+            </a:r>
+            <a:r>
+              <a:rPr lang="en-US" altLang="zh-TW" sz="1800" dirty="0"/>
+              <a:t>Model</a:t>
+            </a:r>
           </a:p>
           <a:p>
             <a:pPr marL="285750" lvl="1"/>
@@ -6081,43 +6099,19 @@
             <a:endParaRPr lang="en-US" altLang="zh-TW" sz="2400" dirty="0"/>
           </a:p>
           <a:p>
-            <a:pPr marL="742950" lvl="2"/>
-            <a:r>
-              <a:rPr lang="zh-TW" altLang="en-US" dirty="0"/>
-              <a:t>自主行判別訓練</a:t>
-            </a:r>
-            <a:r>
-              <a:rPr lang="en-US" altLang="zh-TW" dirty="0"/>
-              <a:t>Pickle</a:t>
-            </a:r>
-            <a:r>
-              <a:rPr lang="zh-TW" altLang="en-US" dirty="0"/>
-              <a:t>是要給</a:t>
-            </a:r>
-            <a:r>
-              <a:rPr lang="en-US" altLang="zh-TW" dirty="0"/>
-              <a:t>P1</a:t>
-            </a:r>
-            <a:r>
-              <a:rPr lang="zh-TW" altLang="en-US" dirty="0"/>
-              <a:t>或</a:t>
-            </a:r>
-            <a:r>
-              <a:rPr lang="en-US" altLang="zh-TW" dirty="0"/>
-              <a:t>P2</a:t>
-            </a:r>
-            <a:r>
-              <a:rPr lang="zh-TW" altLang="en-US" dirty="0"/>
-              <a:t>進行訓練</a:t>
-            </a:r>
-            <a:endParaRPr lang="en-US" altLang="zh-TW" dirty="0"/>
-          </a:p>
-          <a:p>
             <a:pPr lvl="1"/>
             <a:r>
-              <a:rPr lang="zh-TW" altLang="en-US" dirty="0"/>
+              <a:rPr lang="zh-TW" altLang="en-US" sz="1800" dirty="0"/>
               <a:t>盡量擦邊接球，不要在板子中心接到球</a:t>
             </a:r>
+          </a:p>
+          <a:p>
+            <a:pPr lvl="1"/>
+            <a:r>
+              <a:rPr lang="zh-TW" altLang="en-US" sz="1800" dirty="0"/>
+              <a:t>增強式學習</a:t>
+            </a:r>
+            <a:endParaRPr lang="en-US" altLang="zh-TW" sz="1800" dirty="0"/>
           </a:p>
         </p:txBody>
       </p:sp>
@@ -6333,6 +6327,507 @@
     <p:extLst>
       <p:ext uri="{BB962C8B-B14F-4D97-AF65-F5344CB8AC3E}">
         <p14:creationId xmlns:p14="http://schemas.microsoft.com/office/powerpoint/2010/main" val="1542899588"/>
+      </p:ext>
+    </p:extLst>
+  </p:cSld>
+  <p:clrMapOvr>
+    <a:masterClrMapping/>
+  </p:clrMapOvr>
+</p:sld>
+</file>
+
+<file path=ppt/slides/slide4.xml><?xml version="1.0" encoding="utf-8"?>
+<p:sld xmlns:a="http://schemas.openxmlformats.org/drawingml/2006/main" xmlns:r="http://schemas.openxmlformats.org/officeDocument/2006/relationships" xmlns:p="http://schemas.openxmlformats.org/presentationml/2006/main">
+  <p:cSld>
+    <p:spTree>
+      <p:nvGrpSpPr>
+        <p:cNvPr id="1" name=""/>
+        <p:cNvGrpSpPr/>
+        <p:nvPr/>
+      </p:nvGrpSpPr>
+      <p:grpSpPr>
+        <a:xfrm>
+          <a:off x="0" y="0"/>
+          <a:ext cx="0" cy="0"/>
+          <a:chOff x="0" y="0"/>
+          <a:chExt cx="0" cy="0"/>
+        </a:xfrm>
+      </p:grpSpPr>
+      <p:sp>
+        <p:nvSpPr>
+          <p:cNvPr id="2" name="標題 1">
+            <a:extLst>
+              <a:ext uri="{FF2B5EF4-FFF2-40B4-BE49-F238E27FC236}">
+                <a16:creationId xmlns:a16="http://schemas.microsoft.com/office/drawing/2014/main" id="{13B018EB-9291-4055-A0A0-FCB9725BA49A}"/>
+              </a:ext>
+            </a:extLst>
+          </p:cNvPr>
+          <p:cNvSpPr>
+            <a:spLocks noGrp="1"/>
+          </p:cNvSpPr>
+          <p:nvPr>
+            <p:ph type="title"/>
+          </p:nvPr>
+        </p:nvSpPr>
+        <p:spPr/>
+        <p:txBody>
+          <a:bodyPr/>
+          <a:lstStyle/>
+          <a:p>
+            <a:r>
+              <a:rPr lang="zh-TW" altLang="en-US" dirty="0"/>
+              <a:t>分析 </a:t>
+            </a:r>
+            <a:r>
+              <a:rPr lang="en-US" altLang="zh-TW" dirty="0"/>
+              <a:t>-</a:t>
+            </a:r>
+            <a:r>
+              <a:rPr lang="zh-TW" altLang="en-US" dirty="0"/>
+              <a:t> 輸入參數</a:t>
+            </a:r>
+          </a:p>
+        </p:txBody>
+      </p:sp>
+      <p:sp>
+        <p:nvSpPr>
+          <p:cNvPr id="3" name="內容版面配置區 2">
+            <a:extLst>
+              <a:ext uri="{FF2B5EF4-FFF2-40B4-BE49-F238E27FC236}">
+                <a16:creationId xmlns:a16="http://schemas.microsoft.com/office/drawing/2014/main" id="{A97668FB-46D3-42DC-AB7E-0A96472A4E82}"/>
+              </a:ext>
+            </a:extLst>
+          </p:cNvPr>
+          <p:cNvSpPr>
+            <a:spLocks noGrp="1"/>
+          </p:cNvSpPr>
+          <p:nvPr>
+            <p:ph idx="1"/>
+          </p:nvPr>
+        </p:nvSpPr>
+        <p:spPr/>
+        <p:txBody>
+          <a:bodyPr/>
+          <a:lstStyle/>
+          <a:p>
+            <a:r>
+              <a:rPr lang="zh-TW" altLang="en-US" dirty="0"/>
+              <a:t>目前球</a:t>
+            </a:r>
+            <a:r>
+              <a:rPr lang="en-US" altLang="zh-TW" dirty="0"/>
+              <a:t>X</a:t>
+            </a:r>
+            <a:r>
+              <a:rPr lang="zh-TW" altLang="en-US" dirty="0"/>
+              <a:t>座標</a:t>
+            </a:r>
+            <a:endParaRPr lang="en-US" altLang="zh-TW" dirty="0"/>
+          </a:p>
+          <a:p>
+            <a:r>
+              <a:rPr lang="zh-TW" altLang="en-US" dirty="0"/>
+              <a:t>目前球</a:t>
+            </a:r>
+            <a:r>
+              <a:rPr lang="en-US" altLang="zh-TW" dirty="0"/>
+              <a:t>Y</a:t>
+            </a:r>
+            <a:r>
+              <a:rPr lang="zh-TW" altLang="en-US" dirty="0"/>
+              <a:t>座標</a:t>
+            </a:r>
+            <a:endParaRPr lang="en-US" altLang="zh-TW" dirty="0"/>
+          </a:p>
+          <a:p>
+            <a:r>
+              <a:rPr lang="zh-TW" altLang="en-US" dirty="0"/>
+              <a:t>前一點球</a:t>
+            </a:r>
+            <a:r>
+              <a:rPr lang="en-US" altLang="zh-TW" dirty="0"/>
+              <a:t>X</a:t>
+            </a:r>
+            <a:r>
+              <a:rPr lang="zh-TW" altLang="en-US" dirty="0"/>
+              <a:t>座標</a:t>
+            </a:r>
+            <a:endParaRPr lang="en-US" altLang="zh-TW" dirty="0"/>
+          </a:p>
+          <a:p>
+            <a:r>
+              <a:rPr lang="zh-TW" altLang="en-US" dirty="0"/>
+              <a:t>前一點球</a:t>
+            </a:r>
+            <a:r>
+              <a:rPr lang="en-US" altLang="zh-TW" dirty="0"/>
+              <a:t>Y</a:t>
+            </a:r>
+            <a:r>
+              <a:rPr lang="zh-TW" altLang="en-US" dirty="0"/>
+              <a:t>座標</a:t>
+            </a:r>
+            <a:endParaRPr lang="en-US" altLang="zh-TW" dirty="0"/>
+          </a:p>
+          <a:p>
+            <a:r>
+              <a:rPr lang="zh-TW" altLang="en-US" dirty="0"/>
+              <a:t>平板</a:t>
+            </a:r>
+            <a:r>
+              <a:rPr lang="en-US" altLang="zh-TW" dirty="0"/>
+              <a:t>X</a:t>
+            </a:r>
+            <a:r>
+              <a:rPr lang="zh-TW" altLang="en-US" dirty="0"/>
+              <a:t>座標</a:t>
+            </a:r>
+            <a:endParaRPr lang="en-US" altLang="zh-TW" dirty="0"/>
+          </a:p>
+          <a:p>
+            <a:r>
+              <a:rPr lang="zh-TW" altLang="en-US" dirty="0"/>
+              <a:t>斜率</a:t>
+            </a:r>
+            <a:endParaRPr lang="en-US" altLang="zh-TW" dirty="0"/>
+          </a:p>
+          <a:p>
+            <a:endParaRPr lang="zh-TW" altLang="en-US" dirty="0"/>
+          </a:p>
+        </p:txBody>
+      </p:sp>
+    </p:spTree>
+    <p:extLst>
+      <p:ext uri="{BB962C8B-B14F-4D97-AF65-F5344CB8AC3E}">
+        <p14:creationId xmlns:p14="http://schemas.microsoft.com/office/powerpoint/2010/main" val="2111760463"/>
+      </p:ext>
+    </p:extLst>
+  </p:cSld>
+  <p:clrMapOvr>
+    <a:masterClrMapping/>
+  </p:clrMapOvr>
+</p:sld>
+</file>
+
+<file path=ppt/slides/slide5.xml><?xml version="1.0" encoding="utf-8"?>
+<p:sld xmlns:a="http://schemas.openxmlformats.org/drawingml/2006/main" xmlns:r="http://schemas.openxmlformats.org/officeDocument/2006/relationships" xmlns:p="http://schemas.openxmlformats.org/presentationml/2006/main">
+  <p:cSld>
+    <p:spTree>
+      <p:nvGrpSpPr>
+        <p:cNvPr id="1" name=""/>
+        <p:cNvGrpSpPr/>
+        <p:nvPr/>
+      </p:nvGrpSpPr>
+      <p:grpSpPr>
+        <a:xfrm>
+          <a:off x="0" y="0"/>
+          <a:ext cx="0" cy="0"/>
+          <a:chOff x="0" y="0"/>
+          <a:chExt cx="0" cy="0"/>
+        </a:xfrm>
+      </p:grpSpPr>
+      <p:sp>
+        <p:nvSpPr>
+          <p:cNvPr id="2" name="標題 1">
+            <a:extLst>
+              <a:ext uri="{FF2B5EF4-FFF2-40B4-BE49-F238E27FC236}">
+                <a16:creationId xmlns:a16="http://schemas.microsoft.com/office/drawing/2014/main" id="{5CFE0F7D-9443-4B7F-BD9F-E5B85BF3FE0D}"/>
+              </a:ext>
+            </a:extLst>
+          </p:cNvPr>
+          <p:cNvSpPr>
+            <a:spLocks noGrp="1"/>
+          </p:cNvSpPr>
+          <p:nvPr>
+            <p:ph type="title"/>
+          </p:nvPr>
+        </p:nvSpPr>
+        <p:spPr/>
+        <p:txBody>
+          <a:bodyPr/>
+          <a:lstStyle/>
+          <a:p>
+            <a:r>
+              <a:rPr lang="zh-TW" altLang="en-US" dirty="0"/>
+              <a:t>分析 </a:t>
+            </a:r>
+            <a:r>
+              <a:rPr lang="en-US" altLang="zh-TW" dirty="0"/>
+              <a:t>-</a:t>
+            </a:r>
+            <a:r>
+              <a:rPr lang="zh-TW" altLang="en-US" dirty="0"/>
+              <a:t> 輸出參數</a:t>
+            </a:r>
+          </a:p>
+        </p:txBody>
+      </p:sp>
+      <p:sp>
+        <p:nvSpPr>
+          <p:cNvPr id="3" name="內容版面配置區 2">
+            <a:extLst>
+              <a:ext uri="{FF2B5EF4-FFF2-40B4-BE49-F238E27FC236}">
+                <a16:creationId xmlns:a16="http://schemas.microsoft.com/office/drawing/2014/main" id="{6717586A-D9AD-45DB-8AAD-A2CCC76535B7}"/>
+              </a:ext>
+            </a:extLst>
+          </p:cNvPr>
+          <p:cNvSpPr>
+            <a:spLocks noGrp="1"/>
+          </p:cNvSpPr>
+          <p:nvPr>
+            <p:ph idx="1"/>
+          </p:nvPr>
+        </p:nvSpPr>
+        <p:spPr/>
+        <p:txBody>
+          <a:bodyPr/>
+          <a:lstStyle/>
+          <a:p>
+            <a:r>
+              <a:rPr lang="zh-TW" altLang="en-US" dirty="0"/>
+              <a:t>預測落點</a:t>
+            </a:r>
+            <a:endParaRPr lang="en-US" altLang="zh-TW" dirty="0"/>
+          </a:p>
+          <a:p>
+            <a:r>
+              <a:rPr lang="zh-TW" altLang="en-US" dirty="0"/>
+              <a:t>平板左移</a:t>
+            </a:r>
+            <a:endParaRPr lang="en-US" altLang="zh-TW" dirty="0"/>
+          </a:p>
+          <a:p>
+            <a:r>
+              <a:rPr lang="zh-TW" altLang="en-US" dirty="0"/>
+              <a:t>平板右移</a:t>
+            </a:r>
+            <a:endParaRPr lang="en-US" altLang="zh-TW" dirty="0"/>
+          </a:p>
+          <a:p>
+            <a:r>
+              <a:rPr lang="zh-TW" altLang="en-US" dirty="0"/>
+              <a:t>平板靜止</a:t>
+            </a:r>
+          </a:p>
+        </p:txBody>
+      </p:sp>
+    </p:spTree>
+    <p:extLst>
+      <p:ext uri="{BB962C8B-B14F-4D97-AF65-F5344CB8AC3E}">
+        <p14:creationId xmlns:p14="http://schemas.microsoft.com/office/powerpoint/2010/main" val="2076034423"/>
+      </p:ext>
+    </p:extLst>
+  </p:cSld>
+  <p:clrMapOvr>
+    <a:masterClrMapping/>
+  </p:clrMapOvr>
+</p:sld>
+</file>
+
+<file path=ppt/slides/slide6.xml><?xml version="1.0" encoding="utf-8"?>
+<p:sld xmlns:a="http://schemas.openxmlformats.org/drawingml/2006/main" xmlns:r="http://schemas.openxmlformats.org/officeDocument/2006/relationships" xmlns:p="http://schemas.openxmlformats.org/presentationml/2006/main">
+  <p:cSld>
+    <p:spTree>
+      <p:nvGrpSpPr>
+        <p:cNvPr id="1" name=""/>
+        <p:cNvGrpSpPr/>
+        <p:nvPr/>
+      </p:nvGrpSpPr>
+      <p:grpSpPr>
+        <a:xfrm>
+          <a:off x="0" y="0"/>
+          <a:ext cx="0" cy="0"/>
+          <a:chOff x="0" y="0"/>
+          <a:chExt cx="0" cy="0"/>
+        </a:xfrm>
+      </p:grpSpPr>
+      <p:sp>
+        <p:nvSpPr>
+          <p:cNvPr id="2" name="標題 1">
+            <a:extLst>
+              <a:ext uri="{FF2B5EF4-FFF2-40B4-BE49-F238E27FC236}">
+                <a16:creationId xmlns:a16="http://schemas.microsoft.com/office/drawing/2014/main" id="{0FC8CA35-A676-4CF5-9802-10E145332B8F}"/>
+              </a:ext>
+            </a:extLst>
+          </p:cNvPr>
+          <p:cNvSpPr>
+            <a:spLocks noGrp="1"/>
+          </p:cNvSpPr>
+          <p:nvPr>
+            <p:ph type="title"/>
+          </p:nvPr>
+        </p:nvSpPr>
+        <p:spPr/>
+        <p:txBody>
+          <a:bodyPr/>
+          <a:lstStyle/>
+          <a:p>
+            <a:r>
+              <a:rPr lang="zh-TW" altLang="en-US" dirty="0"/>
+              <a:t>分析 </a:t>
+            </a:r>
+            <a:r>
+              <a:rPr lang="en-US" altLang="zh-TW" dirty="0"/>
+              <a:t>-</a:t>
+            </a:r>
+            <a:r>
+              <a:rPr lang="zh-TW" altLang="en-US" dirty="0"/>
+              <a:t> 遊戲流程圖</a:t>
+            </a:r>
+          </a:p>
+        </p:txBody>
+      </p:sp>
+      <p:sp>
+        <p:nvSpPr>
+          <p:cNvPr id="3" name="內容版面配置區 2">
+            <a:extLst>
+              <a:ext uri="{FF2B5EF4-FFF2-40B4-BE49-F238E27FC236}">
+                <a16:creationId xmlns:a16="http://schemas.microsoft.com/office/drawing/2014/main" id="{CCF91A18-9D56-46D4-9CBF-8E623072E86E}"/>
+              </a:ext>
+            </a:extLst>
+          </p:cNvPr>
+          <p:cNvSpPr>
+            <a:spLocks noGrp="1"/>
+          </p:cNvSpPr>
+          <p:nvPr>
+            <p:ph idx="1"/>
+          </p:nvPr>
+        </p:nvSpPr>
+        <p:spPr/>
+        <p:txBody>
+          <a:bodyPr/>
+          <a:lstStyle/>
+          <a:p>
+            <a:endParaRPr lang="zh-TW" altLang="en-US" dirty="0"/>
+          </a:p>
+        </p:txBody>
+      </p:sp>
+      <p:pic>
+        <p:nvPicPr>
+          <p:cNvPr id="4" name="圖片 3">
+            <a:extLst>
+              <a:ext uri="{FF2B5EF4-FFF2-40B4-BE49-F238E27FC236}">
+                <a16:creationId xmlns:a16="http://schemas.microsoft.com/office/drawing/2014/main" id="{E54CAD19-DD4C-4D75-A5E0-9847CE45E6C4}"/>
+              </a:ext>
+            </a:extLst>
+          </p:cNvPr>
+          <p:cNvPicPr>
+            <a:picLocks noChangeAspect="1"/>
+          </p:cNvPicPr>
+          <p:nvPr/>
+        </p:nvPicPr>
+        <p:blipFill>
+          <a:blip r:embed="rId2"/>
+          <a:stretch>
+            <a:fillRect/>
+          </a:stretch>
+        </p:blipFill>
+        <p:spPr>
+          <a:xfrm>
+            <a:off x="3309719" y="2556932"/>
+            <a:ext cx="5843158" cy="3576053"/>
+          </a:xfrm>
+          <a:prstGeom prst="rect">
+            <a:avLst/>
+          </a:prstGeom>
+        </p:spPr>
+      </p:pic>
+    </p:spTree>
+    <p:extLst>
+      <p:ext uri="{BB962C8B-B14F-4D97-AF65-F5344CB8AC3E}">
+        <p14:creationId xmlns:p14="http://schemas.microsoft.com/office/powerpoint/2010/main" val="720776499"/>
+      </p:ext>
+    </p:extLst>
+  </p:cSld>
+  <p:clrMapOvr>
+    <a:masterClrMapping/>
+  </p:clrMapOvr>
+</p:sld>
+</file>
+
+<file path=ppt/slides/slide7.xml><?xml version="1.0" encoding="utf-8"?>
+<p:sld xmlns:a="http://schemas.openxmlformats.org/drawingml/2006/main" xmlns:r="http://schemas.openxmlformats.org/officeDocument/2006/relationships" xmlns:p="http://schemas.openxmlformats.org/presentationml/2006/main">
+  <p:cSld>
+    <p:spTree>
+      <p:nvGrpSpPr>
+        <p:cNvPr id="1" name=""/>
+        <p:cNvGrpSpPr/>
+        <p:nvPr/>
+      </p:nvGrpSpPr>
+      <p:grpSpPr>
+        <a:xfrm>
+          <a:off x="0" y="0"/>
+          <a:ext cx="0" cy="0"/>
+          <a:chOff x="0" y="0"/>
+          <a:chExt cx="0" cy="0"/>
+        </a:xfrm>
+      </p:grpSpPr>
+      <p:sp>
+        <p:nvSpPr>
+          <p:cNvPr id="2" name="標題 1">
+            <a:extLst>
+              <a:ext uri="{FF2B5EF4-FFF2-40B4-BE49-F238E27FC236}">
+                <a16:creationId xmlns:a16="http://schemas.microsoft.com/office/drawing/2014/main" id="{A32A8B87-072A-4A3D-9BA1-B1073C46D9ED}"/>
+              </a:ext>
+            </a:extLst>
+          </p:cNvPr>
+          <p:cNvSpPr>
+            <a:spLocks noGrp="1"/>
+          </p:cNvSpPr>
+          <p:nvPr>
+            <p:ph type="title"/>
+          </p:nvPr>
+        </p:nvSpPr>
+        <p:spPr/>
+        <p:txBody>
+          <a:bodyPr/>
+          <a:lstStyle/>
+          <a:p>
+            <a:r>
+              <a:rPr lang="en-US" altLang="zh-TW" dirty="0"/>
+              <a:t>Rule Base</a:t>
+            </a:r>
+            <a:r>
+              <a:rPr lang="zh-TW" altLang="en-US" dirty="0"/>
+              <a:t>流程圖</a:t>
+            </a:r>
+          </a:p>
+        </p:txBody>
+      </p:sp>
+      <p:pic>
+        <p:nvPicPr>
+          <p:cNvPr id="5" name="圖片 4">
+            <a:extLst>
+              <a:ext uri="{FF2B5EF4-FFF2-40B4-BE49-F238E27FC236}">
+                <a16:creationId xmlns:a16="http://schemas.microsoft.com/office/drawing/2014/main" id="{4417FCF3-B1BB-4BFB-81F4-9DD7CC5CE73A}"/>
+              </a:ext>
+            </a:extLst>
+          </p:cNvPr>
+          <p:cNvPicPr>
+            <a:picLocks noChangeAspect="1"/>
+          </p:cNvPicPr>
+          <p:nvPr/>
+        </p:nvPicPr>
+        <p:blipFill>
+          <a:blip r:embed="rId2"/>
+          <a:stretch>
+            <a:fillRect/>
+          </a:stretch>
+        </p:blipFill>
+        <p:spPr>
+          <a:xfrm>
+            <a:off x="3300032" y="2556932"/>
+            <a:ext cx="5805001" cy="3653667"/>
+          </a:xfrm>
+          <a:prstGeom prst="rect">
+            <a:avLst/>
+          </a:prstGeom>
+        </p:spPr>
+      </p:pic>
+    </p:spTree>
+    <p:extLst>
+      <p:ext uri="{BB962C8B-B14F-4D97-AF65-F5344CB8AC3E}">
+        <p14:creationId xmlns:p14="http://schemas.microsoft.com/office/powerpoint/2010/main" val="4028675772"/>
       </p:ext>
     </p:extLst>
   </p:cSld>

--- a/Hw6/ML_PingPong.pptx
+++ b/Hw6/ML_PingPong.pptx
@@ -11,7 +11,8 @@
     <p:sldId id="259" r:id="rId5"/>
     <p:sldId id="260" r:id="rId6"/>
     <p:sldId id="262" r:id="rId7"/>
-    <p:sldId id="261" r:id="rId8"/>
+    <p:sldId id="263" r:id="rId8"/>
+    <p:sldId id="261" r:id="rId9"/>
   </p:sldIdLst>
   <p:sldSz cx="12192000" cy="6858000"/>
   <p:notesSz cx="6858000" cy="9144000"/>
@@ -6767,6 +6768,140 @@
           <p:cNvPr id="2" name="標題 1">
             <a:extLst>
               <a:ext uri="{FF2B5EF4-FFF2-40B4-BE49-F238E27FC236}">
+                <a16:creationId xmlns:a16="http://schemas.microsoft.com/office/drawing/2014/main" id="{7413D732-B47F-4CBB-9ED6-32527A321FF2}"/>
+              </a:ext>
+            </a:extLst>
+          </p:cNvPr>
+          <p:cNvSpPr>
+            <a:spLocks noGrp="1"/>
+          </p:cNvSpPr>
+          <p:nvPr>
+            <p:ph type="title"/>
+          </p:nvPr>
+        </p:nvSpPr>
+        <p:spPr/>
+        <p:txBody>
+          <a:bodyPr/>
+          <a:lstStyle/>
+          <a:p>
+            <a:r>
+              <a:rPr lang="zh-TW" altLang="en-US" dirty="0"/>
+              <a:t>分析 </a:t>
+            </a:r>
+            <a:r>
+              <a:rPr lang="en-US" altLang="zh-TW" dirty="0"/>
+              <a:t>-</a:t>
+            </a:r>
+            <a:r>
+              <a:rPr lang="zh-TW" altLang="en-US" dirty="0"/>
+              <a:t> </a:t>
+            </a:r>
+            <a:r>
+              <a:rPr lang="en-US" altLang="zh-TW" dirty="0"/>
+              <a:t>Work</a:t>
+            </a:r>
+            <a:r>
+              <a:rPr lang="zh-TW" altLang="en-US" dirty="0"/>
+              <a:t> </a:t>
+            </a:r>
+            <a:r>
+              <a:rPr lang="en-US" altLang="zh-TW" dirty="0"/>
+              <a:t>Breakdown</a:t>
+            </a:r>
+            <a:endParaRPr lang="zh-TW" altLang="en-US" dirty="0"/>
+          </a:p>
+        </p:txBody>
+      </p:sp>
+      <p:sp>
+        <p:nvSpPr>
+          <p:cNvPr id="3" name="內容版面配置區 2">
+            <a:extLst>
+              <a:ext uri="{FF2B5EF4-FFF2-40B4-BE49-F238E27FC236}">
+                <a16:creationId xmlns:a16="http://schemas.microsoft.com/office/drawing/2014/main" id="{0CE9BFB7-FD92-4865-80DE-BF24104A8FAF}"/>
+              </a:ext>
+            </a:extLst>
+          </p:cNvPr>
+          <p:cNvSpPr>
+            <a:spLocks noGrp="1"/>
+          </p:cNvSpPr>
+          <p:nvPr>
+            <p:ph idx="1"/>
+          </p:nvPr>
+        </p:nvSpPr>
+        <p:spPr/>
+        <p:txBody>
+          <a:bodyPr/>
+          <a:lstStyle/>
+          <a:p>
+            <a:endParaRPr lang="zh-TW" altLang="en-US" dirty="0"/>
+          </a:p>
+        </p:txBody>
+      </p:sp>
+      <p:pic>
+        <p:nvPicPr>
+          <p:cNvPr id="4" name="圖片 3">
+            <a:extLst>
+              <a:ext uri="{FF2B5EF4-FFF2-40B4-BE49-F238E27FC236}">
+                <a16:creationId xmlns:a16="http://schemas.microsoft.com/office/drawing/2014/main" id="{65928770-78A4-4E1C-BE2E-F491C28C90CB}"/>
+              </a:ext>
+            </a:extLst>
+          </p:cNvPr>
+          <p:cNvPicPr>
+            <a:picLocks noChangeAspect="1"/>
+          </p:cNvPicPr>
+          <p:nvPr/>
+        </p:nvPicPr>
+        <p:blipFill>
+          <a:blip r:embed="rId2"/>
+          <a:stretch>
+            <a:fillRect/>
+          </a:stretch>
+        </p:blipFill>
+        <p:spPr>
+          <a:xfrm>
+            <a:off x="2421677" y="2649792"/>
+            <a:ext cx="7348646" cy="3321283"/>
+          </a:xfrm>
+          <a:prstGeom prst="rect">
+            <a:avLst/>
+          </a:prstGeom>
+        </p:spPr>
+      </p:pic>
+    </p:spTree>
+    <p:extLst>
+      <p:ext uri="{BB962C8B-B14F-4D97-AF65-F5344CB8AC3E}">
+        <p14:creationId xmlns:p14="http://schemas.microsoft.com/office/powerpoint/2010/main" val="3865087757"/>
+      </p:ext>
+    </p:extLst>
+  </p:cSld>
+  <p:clrMapOvr>
+    <a:masterClrMapping/>
+  </p:clrMapOvr>
+</p:sld>
+</file>
+
+<file path=ppt/slides/slide8.xml><?xml version="1.0" encoding="utf-8"?>
+<p:sld xmlns:a="http://schemas.openxmlformats.org/drawingml/2006/main" xmlns:r="http://schemas.openxmlformats.org/officeDocument/2006/relationships" xmlns:p="http://schemas.openxmlformats.org/presentationml/2006/main">
+  <p:cSld>
+    <p:spTree>
+      <p:nvGrpSpPr>
+        <p:cNvPr id="1" name=""/>
+        <p:cNvGrpSpPr/>
+        <p:nvPr/>
+      </p:nvGrpSpPr>
+      <p:grpSpPr>
+        <a:xfrm>
+          <a:off x="0" y="0"/>
+          <a:ext cx="0" cy="0"/>
+          <a:chOff x="0" y="0"/>
+          <a:chExt cx="0" cy="0"/>
+        </a:xfrm>
+      </p:grpSpPr>
+      <p:sp>
+        <p:nvSpPr>
+          <p:cNvPr id="2" name="標題 1">
+            <a:extLst>
+              <a:ext uri="{FF2B5EF4-FFF2-40B4-BE49-F238E27FC236}">
                 <a16:creationId xmlns:a16="http://schemas.microsoft.com/office/drawing/2014/main" id="{A32A8B87-072A-4A3D-9BA1-B1073C46D9ED}"/>
               </a:ext>
             </a:extLst>

--- a/Hw6/ML_PingPong.pptx
+++ b/Hw6/ML_PingPong.pptx
@@ -13,6 +13,9 @@
     <p:sldId id="262" r:id="rId7"/>
     <p:sldId id="263" r:id="rId8"/>
     <p:sldId id="261" r:id="rId9"/>
+    <p:sldId id="264" r:id="rId10"/>
+    <p:sldId id="265" r:id="rId11"/>
+    <p:sldId id="266" r:id="rId12"/>
   </p:sldIdLst>
   <p:sldSz cx="12192000" cy="6858000"/>
   <p:notesSz cx="6858000" cy="9144000"/>
@@ -450,7 +453,7 @@
           <a:p>
             <a:fld id="{CC1EB1E0-D451-4E51-B5B8-D343500E021C}" type="datetimeFigureOut">
               <a:rPr lang="zh-TW" altLang="en-US" smtClean="0"/>
-              <a:t>2019/11/28</a:t>
+              <a:t>2019/12/11</a:t>
             </a:fld>
             <a:endParaRPr lang="zh-TW" altLang="en-US"/>
           </a:p>
@@ -774,7 +777,7 @@
           <a:p>
             <a:fld id="{CC1EB1E0-D451-4E51-B5B8-D343500E021C}" type="datetimeFigureOut">
               <a:rPr lang="zh-TW" altLang="en-US" smtClean="0"/>
-              <a:t>2019/11/28</a:t>
+              <a:t>2019/12/11</a:t>
             </a:fld>
             <a:endParaRPr lang="zh-TW" altLang="en-US"/>
           </a:p>
@@ -1022,7 +1025,7 @@
           <a:p>
             <a:fld id="{CC1EB1E0-D451-4E51-B5B8-D343500E021C}" type="datetimeFigureOut">
               <a:rPr lang="zh-TW" altLang="en-US" smtClean="0"/>
-              <a:t>2019/11/28</a:t>
+              <a:t>2019/12/11</a:t>
             </a:fld>
             <a:endParaRPr lang="zh-TW" altLang="en-US"/>
           </a:p>
@@ -1361,7 +1364,7 @@
           <a:p>
             <a:fld id="{CC1EB1E0-D451-4E51-B5B8-D343500E021C}" type="datetimeFigureOut">
               <a:rPr lang="zh-TW" altLang="en-US" smtClean="0"/>
-              <a:t>2019/11/28</a:t>
+              <a:t>2019/12/11</a:t>
             </a:fld>
             <a:endParaRPr lang="zh-TW" altLang="en-US"/>
           </a:p>
@@ -1708,7 +1711,7 @@
           <a:p>
             <a:fld id="{CC1EB1E0-D451-4E51-B5B8-D343500E021C}" type="datetimeFigureOut">
               <a:rPr lang="zh-TW" altLang="en-US" smtClean="0"/>
-              <a:t>2019/11/28</a:t>
+              <a:t>2019/12/11</a:t>
             </a:fld>
             <a:endParaRPr lang="zh-TW" altLang="en-US"/>
           </a:p>
@@ -2082,7 +2085,7 @@
           <a:p>
             <a:fld id="{CC1EB1E0-D451-4E51-B5B8-D343500E021C}" type="datetimeFigureOut">
               <a:rPr lang="zh-TW" altLang="en-US" smtClean="0"/>
-              <a:t>2019/11/28</a:t>
+              <a:t>2019/12/11</a:t>
             </a:fld>
             <a:endParaRPr lang="zh-TW" altLang="en-US"/>
           </a:p>
@@ -2552,7 +2555,7 @@
           <a:p>
             <a:fld id="{CC1EB1E0-D451-4E51-B5B8-D343500E021C}" type="datetimeFigureOut">
               <a:rPr lang="zh-TW" altLang="en-US" smtClean="0"/>
-              <a:t>2019/11/28</a:t>
+              <a:t>2019/12/11</a:t>
             </a:fld>
             <a:endParaRPr lang="zh-TW" altLang="en-US"/>
           </a:p>
@@ -2757,7 +2760,7 @@
           <a:p>
             <a:fld id="{CC1EB1E0-D451-4E51-B5B8-D343500E021C}" type="datetimeFigureOut">
               <a:rPr lang="zh-TW" altLang="en-US" smtClean="0"/>
-              <a:t>2019/11/28</a:t>
+              <a:t>2019/12/11</a:t>
             </a:fld>
             <a:endParaRPr lang="zh-TW" altLang="en-US"/>
           </a:p>
@@ -2968,7 +2971,7 @@
           <a:p>
             <a:fld id="{CC1EB1E0-D451-4E51-B5B8-D343500E021C}" type="datetimeFigureOut">
               <a:rPr lang="zh-TW" altLang="en-US" smtClean="0"/>
-              <a:t>2019/11/28</a:t>
+              <a:t>2019/12/11</a:t>
             </a:fld>
             <a:endParaRPr lang="zh-TW" altLang="en-US"/>
           </a:p>
@@ -3200,7 +3203,7 @@
           <a:p>
             <a:fld id="{CC1EB1E0-D451-4E51-B5B8-D343500E021C}" type="datetimeFigureOut">
               <a:rPr lang="zh-TW" altLang="en-US" smtClean="0"/>
-              <a:t>2019/11/28</a:t>
+              <a:t>2019/12/11</a:t>
             </a:fld>
             <a:endParaRPr lang="zh-TW" altLang="en-US"/>
           </a:p>
@@ -3448,7 +3451,7 @@
           <a:p>
             <a:fld id="{CC1EB1E0-D451-4E51-B5B8-D343500E021C}" type="datetimeFigureOut">
               <a:rPr lang="zh-TW" altLang="en-US" smtClean="0"/>
-              <a:t>2019/11/28</a:t>
+              <a:t>2019/12/11</a:t>
             </a:fld>
             <a:endParaRPr lang="zh-TW" altLang="en-US"/>
           </a:p>
@@ -3746,7 +3749,7 @@
           <a:p>
             <a:fld id="{CC1EB1E0-D451-4E51-B5B8-D343500E021C}" type="datetimeFigureOut">
               <a:rPr lang="zh-TW" altLang="en-US" smtClean="0"/>
-              <a:t>2019/11/28</a:t>
+              <a:t>2019/12/11</a:t>
             </a:fld>
             <a:endParaRPr lang="zh-TW" altLang="en-US"/>
           </a:p>
@@ -4140,7 +4143,7 @@
           <a:p>
             <a:fld id="{CC1EB1E0-D451-4E51-B5B8-D343500E021C}" type="datetimeFigureOut">
               <a:rPr lang="zh-TW" altLang="en-US" smtClean="0"/>
-              <a:t>2019/11/28</a:t>
+              <a:t>2019/12/11</a:t>
             </a:fld>
             <a:endParaRPr lang="zh-TW" altLang="en-US"/>
           </a:p>
@@ -4289,7 +4292,7 @@
           <a:p>
             <a:fld id="{CC1EB1E0-D451-4E51-B5B8-D343500E021C}" type="datetimeFigureOut">
               <a:rPr lang="zh-TW" altLang="en-US" smtClean="0"/>
-              <a:t>2019/11/28</a:t>
+              <a:t>2019/12/11</a:t>
             </a:fld>
             <a:endParaRPr lang="zh-TW" altLang="en-US"/>
           </a:p>
@@ -4415,7 +4418,7 @@
           <a:p>
             <a:fld id="{CC1EB1E0-D451-4E51-B5B8-D343500E021C}" type="datetimeFigureOut">
               <a:rPr lang="zh-TW" altLang="en-US" smtClean="0"/>
-              <a:t>2019/11/28</a:t>
+              <a:t>2019/12/11</a:t>
             </a:fld>
             <a:endParaRPr lang="zh-TW" altLang="en-US"/>
           </a:p>
@@ -4670,7 +4673,7 @@
           <a:p>
             <a:fld id="{CC1EB1E0-D451-4E51-B5B8-D343500E021C}" type="datetimeFigureOut">
               <a:rPr lang="zh-TW" altLang="en-US" smtClean="0"/>
-              <a:t>2019/11/28</a:t>
+              <a:t>2019/12/11</a:t>
             </a:fld>
             <a:endParaRPr lang="zh-TW" altLang="en-US"/>
           </a:p>
@@ -4985,7 +4988,7 @@
           <a:p>
             <a:fld id="{CC1EB1E0-D451-4E51-B5B8-D343500E021C}" type="datetimeFigureOut">
               <a:rPr lang="zh-TW" altLang="en-US" smtClean="0"/>
-              <a:t>2019/11/28</a:t>
+              <a:t>2019/12/11</a:t>
             </a:fld>
             <a:endParaRPr lang="zh-TW" altLang="en-US"/>
           </a:p>
@@ -5336,7 +5339,7 @@
           <a:p>
             <a:fld id="{CC1EB1E0-D451-4E51-B5B8-D343500E021C}" type="datetimeFigureOut">
               <a:rPr lang="zh-TW" altLang="en-US" smtClean="0"/>
-              <a:t>2019/11/28</a:t>
+              <a:t>2019/12/11</a:t>
             </a:fld>
             <a:endParaRPr lang="zh-TW" altLang="en-US"/>
           </a:p>
@@ -5983,6 +5986,353 @@
 </p:sld>
 </file>
 
+<file path=ppt/slides/slide10.xml><?xml version="1.0" encoding="utf-8"?>
+<p:sld xmlns:a="http://schemas.openxmlformats.org/drawingml/2006/main" xmlns:r="http://schemas.openxmlformats.org/officeDocument/2006/relationships" xmlns:p="http://schemas.openxmlformats.org/presentationml/2006/main">
+  <p:cSld>
+    <p:spTree>
+      <p:nvGrpSpPr>
+        <p:cNvPr id="1" name=""/>
+        <p:cNvGrpSpPr/>
+        <p:nvPr/>
+      </p:nvGrpSpPr>
+      <p:grpSpPr>
+        <a:xfrm>
+          <a:off x="0" y="0"/>
+          <a:ext cx="0" cy="0"/>
+          <a:chOff x="0" y="0"/>
+          <a:chExt cx="0" cy="0"/>
+        </a:xfrm>
+      </p:grpSpPr>
+      <p:sp>
+        <p:nvSpPr>
+          <p:cNvPr id="2" name="標題 1">
+            <a:extLst>
+              <a:ext uri="{FF2B5EF4-FFF2-40B4-BE49-F238E27FC236}">
+                <a16:creationId xmlns:a16="http://schemas.microsoft.com/office/drawing/2014/main" id="{9F94AEA4-7803-49CC-84CF-5DF36E92463E}"/>
+              </a:ext>
+            </a:extLst>
+          </p:cNvPr>
+          <p:cNvSpPr>
+            <a:spLocks noGrp="1"/>
+          </p:cNvSpPr>
+          <p:nvPr>
+            <p:ph type="title"/>
+          </p:nvPr>
+        </p:nvSpPr>
+        <p:spPr/>
+        <p:txBody>
+          <a:bodyPr/>
+          <a:lstStyle/>
+          <a:p>
+            <a:r>
+              <a:rPr lang="zh-TW" altLang="en-US" dirty="0"/>
+              <a:t>設計 </a:t>
+            </a:r>
+            <a:r>
+              <a:rPr lang="en-US" altLang="zh-TW" dirty="0"/>
+              <a:t>–</a:t>
+            </a:r>
+            <a:r>
+              <a:rPr lang="zh-TW" altLang="en-US" dirty="0"/>
+              <a:t> </a:t>
+            </a:r>
+            <a:r>
+              <a:rPr lang="en-US" altLang="zh-TW" dirty="0"/>
+              <a:t>Rule</a:t>
+            </a:r>
+            <a:r>
+              <a:rPr lang="zh-TW" altLang="en-US" dirty="0"/>
+              <a:t> </a:t>
+            </a:r>
+            <a:r>
+              <a:rPr lang="en-US" altLang="zh-TW" dirty="0"/>
+              <a:t>Base</a:t>
+            </a:r>
+            <a:endParaRPr lang="zh-TW" altLang="en-US" dirty="0"/>
+          </a:p>
+        </p:txBody>
+      </p:sp>
+      <p:sp>
+        <p:nvSpPr>
+          <p:cNvPr id="8" name="內容版面配置區 7">
+            <a:extLst>
+              <a:ext uri="{FF2B5EF4-FFF2-40B4-BE49-F238E27FC236}">
+                <a16:creationId xmlns:a16="http://schemas.microsoft.com/office/drawing/2014/main" id="{2089A417-7629-47ED-A9BE-E243C07944D9}"/>
+              </a:ext>
+            </a:extLst>
+          </p:cNvPr>
+          <p:cNvSpPr>
+            <a:spLocks noGrp="1"/>
+          </p:cNvSpPr>
+          <p:nvPr>
+            <p:ph idx="1"/>
+          </p:nvPr>
+        </p:nvSpPr>
+        <p:spPr/>
+        <p:txBody>
+          <a:bodyPr/>
+          <a:lstStyle/>
+          <a:p>
+            <a:r>
+              <a:rPr lang="en-US" altLang="zh-TW" dirty="0"/>
+              <a:t>1P</a:t>
+            </a:r>
+            <a:r>
+              <a:rPr lang="zh-TW" altLang="en-US" dirty="0"/>
+              <a:t>、</a:t>
+            </a:r>
+            <a:r>
+              <a:rPr lang="en-US" altLang="zh-TW" dirty="0"/>
+              <a:t>2P</a:t>
+            </a:r>
+            <a:r>
+              <a:rPr lang="zh-TW" altLang="en-US" dirty="0"/>
+              <a:t>：</a:t>
+            </a:r>
+            <a:endParaRPr lang="en-US" altLang="zh-TW" dirty="0"/>
+          </a:p>
+          <a:p>
+            <a:pPr lvl="1"/>
+            <a:r>
+              <a:rPr lang="zh-TW" altLang="en-US" dirty="0"/>
+              <a:t>球上升階段：</a:t>
+            </a:r>
+            <a:endParaRPr lang="en-US" altLang="zh-TW" dirty="0"/>
+          </a:p>
+          <a:p>
+            <a:pPr lvl="2"/>
+            <a:r>
+              <a:rPr lang="zh-TW" altLang="en-US" dirty="0"/>
+              <a:t>預測位置 </a:t>
+            </a:r>
+            <a:r>
+              <a:rPr lang="en-US" altLang="zh-TW" dirty="0"/>
+              <a:t>=</a:t>
+            </a:r>
+            <a:r>
+              <a:rPr lang="zh-TW" altLang="en-US" dirty="0"/>
+              <a:t> 目前球</a:t>
+            </a:r>
+            <a:r>
+              <a:rPr lang="en-US" altLang="zh-TW" dirty="0"/>
+              <a:t>X</a:t>
+            </a:r>
+            <a:r>
+              <a:rPr lang="zh-TW" altLang="en-US" dirty="0"/>
+              <a:t> </a:t>
+            </a:r>
+            <a:r>
+              <a:rPr lang="en-US" altLang="zh-TW" dirty="0"/>
+              <a:t>–</a:t>
+            </a:r>
+            <a:r>
+              <a:rPr lang="zh-TW" altLang="en-US" dirty="0"/>
+              <a:t> </a:t>
+            </a:r>
+            <a:r>
+              <a:rPr lang="en-US" altLang="zh-TW" dirty="0"/>
+              <a:t>((</a:t>
+            </a:r>
+            <a:r>
+              <a:rPr lang="zh-TW" altLang="en-US" dirty="0"/>
+              <a:t>遊戲長度 </a:t>
+            </a:r>
+            <a:r>
+              <a:rPr lang="en-US" altLang="zh-TW" dirty="0"/>
+              <a:t>–</a:t>
+            </a:r>
+            <a:r>
+              <a:rPr lang="zh-TW" altLang="en-US" dirty="0"/>
+              <a:t> 目前球</a:t>
+            </a:r>
+            <a:r>
+              <a:rPr lang="en-US" altLang="zh-TW" dirty="0"/>
+              <a:t>Y)/Y</a:t>
+            </a:r>
+            <a:r>
+              <a:rPr lang="zh-TW" altLang="en-US" dirty="0"/>
+              <a:t>斜率</a:t>
+            </a:r>
+            <a:r>
+              <a:rPr lang="en-US" altLang="zh-TW" dirty="0"/>
+              <a:t>)</a:t>
+            </a:r>
+            <a:r>
+              <a:rPr lang="zh-TW" altLang="en-US" dirty="0"/>
+              <a:t>*</a:t>
+            </a:r>
+            <a:r>
+              <a:rPr lang="en-US" altLang="zh-TW" dirty="0"/>
+              <a:t>X</a:t>
+            </a:r>
+            <a:r>
+              <a:rPr lang="zh-TW" altLang="en-US" dirty="0"/>
+              <a:t>斜率</a:t>
+            </a:r>
+            <a:endParaRPr lang="en-US" altLang="zh-TW" dirty="0"/>
+          </a:p>
+          <a:p>
+            <a:pPr lvl="2"/>
+            <a:r>
+              <a:rPr lang="zh-TW" altLang="en-US" dirty="0"/>
+              <a:t>若預測位置大於遊戲半長</a:t>
+            </a:r>
+            <a:endParaRPr lang="en-US" altLang="zh-TW" dirty="0"/>
+          </a:p>
+          <a:p>
+            <a:pPr lvl="3"/>
+            <a:r>
+              <a:rPr lang="zh-TW" altLang="en-US" sz="1800" dirty="0"/>
+              <a:t>預測位置 </a:t>
+            </a:r>
+            <a:r>
+              <a:rPr lang="en-US" altLang="zh-TW" sz="1800" dirty="0"/>
+              <a:t>=</a:t>
+            </a:r>
+            <a:r>
+              <a:rPr lang="zh-TW" altLang="en-US" sz="1800" dirty="0"/>
+              <a:t> 預測位置 </a:t>
+            </a:r>
+            <a:r>
+              <a:rPr lang="en-US" altLang="zh-TW" sz="1800" dirty="0"/>
+              <a:t>–</a:t>
+            </a:r>
+            <a:r>
+              <a:rPr lang="zh-TW" altLang="en-US" sz="1800" dirty="0"/>
+              <a:t> 遊戲半長</a:t>
+            </a:r>
+            <a:endParaRPr lang="en-US" altLang="zh-TW" sz="1800" dirty="0"/>
+          </a:p>
+          <a:p>
+            <a:pPr lvl="2"/>
+            <a:r>
+              <a:rPr lang="zh-TW" altLang="en-US" dirty="0"/>
+              <a:t>若小於</a:t>
+            </a:r>
+            <a:r>
+              <a:rPr lang="en-US" altLang="zh-TW" dirty="0"/>
+              <a:t>0</a:t>
+            </a:r>
+          </a:p>
+          <a:p>
+            <a:pPr lvl="3"/>
+            <a:r>
+              <a:rPr lang="zh-TW" altLang="en-US" sz="1800" dirty="0"/>
+              <a:t>預測位置做絕對值</a:t>
+            </a:r>
+            <a:endParaRPr lang="en-US" altLang="zh-TW" sz="1800" dirty="0"/>
+          </a:p>
+        </p:txBody>
+      </p:sp>
+    </p:spTree>
+    <p:extLst>
+      <p:ext uri="{BB962C8B-B14F-4D97-AF65-F5344CB8AC3E}">
+        <p14:creationId xmlns:p14="http://schemas.microsoft.com/office/powerpoint/2010/main" val="1999180761"/>
+      </p:ext>
+    </p:extLst>
+  </p:cSld>
+  <p:clrMapOvr>
+    <a:masterClrMapping/>
+  </p:clrMapOvr>
+</p:sld>
+</file>
+
+<file path=ppt/slides/slide11.xml><?xml version="1.0" encoding="utf-8"?>
+<p:sld xmlns:a="http://schemas.openxmlformats.org/drawingml/2006/main" xmlns:r="http://schemas.openxmlformats.org/officeDocument/2006/relationships" xmlns:p="http://schemas.openxmlformats.org/presentationml/2006/main">
+  <p:cSld>
+    <p:spTree>
+      <p:nvGrpSpPr>
+        <p:cNvPr id="1" name=""/>
+        <p:cNvGrpSpPr/>
+        <p:nvPr/>
+      </p:nvGrpSpPr>
+      <p:grpSpPr>
+        <a:xfrm>
+          <a:off x="0" y="0"/>
+          <a:ext cx="0" cy="0"/>
+          <a:chOff x="0" y="0"/>
+          <a:chExt cx="0" cy="0"/>
+        </a:xfrm>
+      </p:grpSpPr>
+      <p:sp>
+        <p:nvSpPr>
+          <p:cNvPr id="2" name="標題 1">
+            <a:extLst>
+              <a:ext uri="{FF2B5EF4-FFF2-40B4-BE49-F238E27FC236}">
+                <a16:creationId xmlns:a16="http://schemas.microsoft.com/office/drawing/2014/main" id="{9F94AEA4-7803-49CC-84CF-5DF36E92463E}"/>
+              </a:ext>
+            </a:extLst>
+          </p:cNvPr>
+          <p:cNvSpPr>
+            <a:spLocks noGrp="1"/>
+          </p:cNvSpPr>
+          <p:nvPr>
+            <p:ph type="title"/>
+          </p:nvPr>
+        </p:nvSpPr>
+        <p:spPr/>
+        <p:txBody>
+          <a:bodyPr/>
+          <a:lstStyle/>
+          <a:p>
+            <a:r>
+              <a:rPr lang="zh-TW" altLang="en-US" dirty="0"/>
+              <a:t>設計 </a:t>
+            </a:r>
+            <a:r>
+              <a:rPr lang="en-US" altLang="zh-TW" dirty="0"/>
+              <a:t>–</a:t>
+            </a:r>
+            <a:r>
+              <a:rPr lang="zh-TW" altLang="en-US" dirty="0"/>
+              <a:t> </a:t>
+            </a:r>
+            <a:r>
+              <a:rPr lang="en-US" altLang="zh-TW" dirty="0"/>
+              <a:t>SVM</a:t>
+            </a:r>
+            <a:endParaRPr lang="zh-TW" altLang="en-US" dirty="0"/>
+          </a:p>
+        </p:txBody>
+      </p:sp>
+      <p:sp>
+        <p:nvSpPr>
+          <p:cNvPr id="8" name="內容版面配置區 7">
+            <a:extLst>
+              <a:ext uri="{FF2B5EF4-FFF2-40B4-BE49-F238E27FC236}">
+                <a16:creationId xmlns:a16="http://schemas.microsoft.com/office/drawing/2014/main" id="{2089A417-7629-47ED-A9BE-E243C07944D9}"/>
+              </a:ext>
+            </a:extLst>
+          </p:cNvPr>
+          <p:cNvSpPr>
+            <a:spLocks noGrp="1"/>
+          </p:cNvSpPr>
+          <p:nvPr>
+            <p:ph idx="1"/>
+          </p:nvPr>
+        </p:nvSpPr>
+        <p:spPr/>
+        <p:txBody>
+          <a:bodyPr/>
+          <a:lstStyle/>
+          <a:p>
+            <a:endParaRPr lang="en-US" altLang="zh-TW" sz="1800" dirty="0"/>
+          </a:p>
+        </p:txBody>
+      </p:sp>
+    </p:spTree>
+    <p:extLst>
+      <p:ext uri="{BB962C8B-B14F-4D97-AF65-F5344CB8AC3E}">
+        <p14:creationId xmlns:p14="http://schemas.microsoft.com/office/powerpoint/2010/main" val="479900344"/>
+      </p:ext>
+    </p:extLst>
+  </p:cSld>
+  <p:clrMapOvr>
+    <a:masterClrMapping/>
+  </p:clrMapOvr>
+</p:sld>
+</file>
+
 <file path=ppt/slides/slide2.xml><?xml version="1.0" encoding="utf-8"?>
 <p:sld xmlns:a="http://schemas.openxmlformats.org/drawingml/2006/main" xmlns:r="http://schemas.openxmlformats.org/officeDocument/2006/relationships" xmlns:p="http://schemas.openxmlformats.org/presentationml/2006/main">
   <p:cSld>
@@ -6919,6 +7269,18 @@
           <a:lstStyle/>
           <a:p>
             <a:r>
+              <a:rPr lang="zh-TW" altLang="en-US" dirty="0"/>
+              <a:t>設計 </a:t>
+            </a:r>
+            <a:r>
+              <a:rPr lang="en-US" altLang="zh-TW" dirty="0"/>
+              <a:t>-</a:t>
+            </a:r>
+            <a:r>
+              <a:rPr lang="zh-TW" altLang="en-US" dirty="0"/>
+              <a:t> </a:t>
+            </a:r>
+            <a:r>
               <a:rPr lang="en-US" altLang="zh-TW" dirty="0"/>
               <a:t>Rule Base</a:t>
             </a:r>
@@ -6963,6 +7325,510 @@
     <p:extLst>
       <p:ext uri="{BB962C8B-B14F-4D97-AF65-F5344CB8AC3E}">
         <p14:creationId xmlns:p14="http://schemas.microsoft.com/office/powerpoint/2010/main" val="4028675772"/>
+      </p:ext>
+    </p:extLst>
+  </p:cSld>
+  <p:clrMapOvr>
+    <a:masterClrMapping/>
+  </p:clrMapOvr>
+</p:sld>
+</file>
+
+<file path=ppt/slides/slide9.xml><?xml version="1.0" encoding="utf-8"?>
+<p:sld xmlns:a="http://schemas.openxmlformats.org/drawingml/2006/main" xmlns:r="http://schemas.openxmlformats.org/officeDocument/2006/relationships" xmlns:p="http://schemas.openxmlformats.org/presentationml/2006/main">
+  <p:cSld>
+    <p:spTree>
+      <p:nvGrpSpPr>
+        <p:cNvPr id="1" name=""/>
+        <p:cNvGrpSpPr/>
+        <p:nvPr/>
+      </p:nvGrpSpPr>
+      <p:grpSpPr>
+        <a:xfrm>
+          <a:off x="0" y="0"/>
+          <a:ext cx="0" cy="0"/>
+          <a:chOff x="0" y="0"/>
+          <a:chExt cx="0" cy="0"/>
+        </a:xfrm>
+      </p:grpSpPr>
+      <p:sp>
+        <p:nvSpPr>
+          <p:cNvPr id="2" name="標題 1">
+            <a:extLst>
+              <a:ext uri="{FF2B5EF4-FFF2-40B4-BE49-F238E27FC236}">
+                <a16:creationId xmlns:a16="http://schemas.microsoft.com/office/drawing/2014/main" id="{9F94AEA4-7803-49CC-84CF-5DF36E92463E}"/>
+              </a:ext>
+            </a:extLst>
+          </p:cNvPr>
+          <p:cNvSpPr>
+            <a:spLocks noGrp="1"/>
+          </p:cNvSpPr>
+          <p:nvPr>
+            <p:ph type="title"/>
+          </p:nvPr>
+        </p:nvSpPr>
+        <p:spPr/>
+        <p:txBody>
+          <a:bodyPr/>
+          <a:lstStyle/>
+          <a:p>
+            <a:r>
+              <a:rPr lang="zh-TW" altLang="en-US" dirty="0"/>
+              <a:t>設計 </a:t>
+            </a:r>
+            <a:r>
+              <a:rPr lang="en-US" altLang="zh-TW" dirty="0"/>
+              <a:t>–</a:t>
+            </a:r>
+            <a:r>
+              <a:rPr lang="zh-TW" altLang="en-US" dirty="0"/>
+              <a:t> </a:t>
+            </a:r>
+            <a:r>
+              <a:rPr lang="en-US" altLang="zh-TW" dirty="0"/>
+              <a:t>Rule</a:t>
+            </a:r>
+            <a:r>
+              <a:rPr lang="zh-TW" altLang="en-US" dirty="0"/>
+              <a:t> </a:t>
+            </a:r>
+            <a:r>
+              <a:rPr lang="en-US" altLang="zh-TW" dirty="0"/>
+              <a:t>Base</a:t>
+            </a:r>
+            <a:endParaRPr lang="zh-TW" altLang="en-US" dirty="0"/>
+          </a:p>
+        </p:txBody>
+      </p:sp>
+      <p:sp>
+        <p:nvSpPr>
+          <p:cNvPr id="3" name="內容版面配置區 2">
+            <a:extLst>
+              <a:ext uri="{FF2B5EF4-FFF2-40B4-BE49-F238E27FC236}">
+                <a16:creationId xmlns:a16="http://schemas.microsoft.com/office/drawing/2014/main" id="{BFB33A8A-9A71-475A-B19C-9DD193A3C3DF}"/>
+              </a:ext>
+            </a:extLst>
+          </p:cNvPr>
+          <p:cNvSpPr>
+            <a:spLocks noGrp="1"/>
+          </p:cNvSpPr>
+          <p:nvPr>
+            <p:ph idx="1"/>
+          </p:nvPr>
+        </p:nvSpPr>
+        <p:spPr>
+          <a:xfrm>
+            <a:off x="2564905" y="2556932"/>
+            <a:ext cx="3187823" cy="3318936"/>
+          </a:xfrm>
+        </p:spPr>
+        <p:txBody>
+          <a:bodyPr/>
+          <a:lstStyle/>
+          <a:p>
+            <a:r>
+              <a:rPr lang="zh-TW" altLang="en-US" dirty="0"/>
+              <a:t>輸入：</a:t>
+            </a:r>
+            <a:endParaRPr lang="en-US" altLang="zh-TW" dirty="0"/>
+          </a:p>
+          <a:p>
+            <a:pPr lvl="1"/>
+            <a:r>
+              <a:rPr lang="zh-TW" altLang="en-US" dirty="0"/>
+              <a:t>目前球</a:t>
+            </a:r>
+            <a:r>
+              <a:rPr lang="en-US" altLang="zh-TW" dirty="0"/>
+              <a:t>X</a:t>
+            </a:r>
+            <a:r>
+              <a:rPr lang="zh-TW" altLang="en-US" dirty="0"/>
+              <a:t>座標</a:t>
+            </a:r>
+            <a:endParaRPr lang="en-US" altLang="zh-TW" dirty="0"/>
+          </a:p>
+          <a:p>
+            <a:pPr lvl="1"/>
+            <a:r>
+              <a:rPr lang="zh-TW" altLang="en-US" dirty="0"/>
+              <a:t>目前球</a:t>
+            </a:r>
+            <a:r>
+              <a:rPr lang="en-US" altLang="zh-TW" dirty="0"/>
+              <a:t>Y</a:t>
+            </a:r>
+            <a:r>
+              <a:rPr lang="zh-TW" altLang="en-US" dirty="0"/>
+              <a:t>座標</a:t>
+            </a:r>
+            <a:endParaRPr lang="en-US" altLang="zh-TW" dirty="0"/>
+          </a:p>
+          <a:p>
+            <a:pPr lvl="1"/>
+            <a:r>
+              <a:rPr lang="zh-TW" altLang="en-US" dirty="0"/>
+              <a:t>前一點球</a:t>
+            </a:r>
+            <a:r>
+              <a:rPr lang="en-US" altLang="zh-TW" dirty="0"/>
+              <a:t>X</a:t>
+            </a:r>
+            <a:r>
+              <a:rPr lang="zh-TW" altLang="en-US" dirty="0"/>
+              <a:t>座標</a:t>
+            </a:r>
+            <a:endParaRPr lang="en-US" altLang="zh-TW" dirty="0"/>
+          </a:p>
+          <a:p>
+            <a:pPr lvl="1"/>
+            <a:r>
+              <a:rPr lang="zh-TW" altLang="en-US" dirty="0"/>
+              <a:t>前一點球</a:t>
+            </a:r>
+            <a:r>
+              <a:rPr lang="en-US" altLang="zh-TW" dirty="0"/>
+              <a:t>Y</a:t>
+            </a:r>
+            <a:r>
+              <a:rPr lang="zh-TW" altLang="en-US" dirty="0"/>
+              <a:t>座標</a:t>
+            </a:r>
+            <a:endParaRPr lang="en-US" altLang="zh-TW" dirty="0"/>
+          </a:p>
+          <a:p>
+            <a:pPr lvl="1"/>
+            <a:r>
+              <a:rPr lang="zh-TW" altLang="en-US" dirty="0"/>
+              <a:t>平板</a:t>
+            </a:r>
+            <a:r>
+              <a:rPr lang="en-US" altLang="zh-TW" dirty="0"/>
+              <a:t>X</a:t>
+            </a:r>
+            <a:r>
+              <a:rPr lang="zh-TW" altLang="en-US" dirty="0"/>
+              <a:t>座標</a:t>
+            </a:r>
+            <a:endParaRPr lang="en-US" altLang="zh-TW" dirty="0"/>
+          </a:p>
+          <a:p>
+            <a:pPr lvl="1"/>
+            <a:endParaRPr lang="zh-TW" altLang="en-US" dirty="0"/>
+          </a:p>
+        </p:txBody>
+      </p:sp>
+      <p:sp>
+        <p:nvSpPr>
+          <p:cNvPr id="4" name="內容版面配置區 2">
+            <a:extLst>
+              <a:ext uri="{FF2B5EF4-FFF2-40B4-BE49-F238E27FC236}">
+                <a16:creationId xmlns:a16="http://schemas.microsoft.com/office/drawing/2014/main" id="{4ECC11A3-9704-4AAD-9965-1573CE5A66CE}"/>
+              </a:ext>
+            </a:extLst>
+          </p:cNvPr>
+          <p:cNvSpPr txBox="1">
+            <a:spLocks/>
+          </p:cNvSpPr>
+          <p:nvPr/>
+        </p:nvSpPr>
+        <p:spPr>
+          <a:xfrm>
+            <a:off x="6632362" y="2556932"/>
+            <a:ext cx="3187823" cy="3318936"/>
+          </a:xfrm>
+          <a:prstGeom prst="rect">
+            <a:avLst/>
+          </a:prstGeom>
+        </p:spPr>
+        <p:txBody>
+          <a:bodyPr vert="horz" lIns="91440" tIns="45720" rIns="91440" bIns="45720" rtlCol="0" anchor="t">
+            <a:normAutofit/>
+          </a:bodyPr>
+          <a:lstStyle>
+            <a:lvl1pPr marL="285750" indent="-285750" algn="l" defTabSz="457200" rtl="0" eaLnBrk="1" latinLnBrk="0" hangingPunct="1">
+              <a:spcBef>
+                <a:spcPct val="20000"/>
+              </a:spcBef>
+              <a:spcAft>
+                <a:spcPts val="600"/>
+              </a:spcAft>
+              <a:buClr>
+                <a:schemeClr val="accent1"/>
+              </a:buClr>
+              <a:buSzPct val="115000"/>
+              <a:buFont typeface="Arial"/>
+              <a:buChar char="•"/>
+              <a:defRPr sz="2400" kern="1200" cap="none">
+                <a:solidFill>
+                  <a:schemeClr val="tx1">
+                    <a:lumMod val="85000"/>
+                    <a:lumOff val="15000"/>
+                  </a:schemeClr>
+                </a:solidFill>
+                <a:effectLst/>
+                <a:latin typeface="+mn-lt"/>
+                <a:ea typeface="+mn-ea"/>
+                <a:cs typeface="+mn-cs"/>
+              </a:defRPr>
+            </a:lvl1pPr>
+            <a:lvl2pPr marL="742950" indent="-285750" algn="l" defTabSz="457200" rtl="0" eaLnBrk="1" latinLnBrk="0" hangingPunct="1">
+              <a:spcBef>
+                <a:spcPct val="20000"/>
+              </a:spcBef>
+              <a:spcAft>
+                <a:spcPts val="600"/>
+              </a:spcAft>
+              <a:buClr>
+                <a:schemeClr val="accent1"/>
+              </a:buClr>
+              <a:buSzPct val="115000"/>
+              <a:buFont typeface="Arial"/>
+              <a:buChar char="•"/>
+              <a:defRPr sz="2000" kern="1200" cap="none">
+                <a:solidFill>
+                  <a:schemeClr val="tx1">
+                    <a:lumMod val="85000"/>
+                    <a:lumOff val="15000"/>
+                  </a:schemeClr>
+                </a:solidFill>
+                <a:effectLst/>
+                <a:latin typeface="+mn-lt"/>
+                <a:ea typeface="+mn-ea"/>
+                <a:cs typeface="+mn-cs"/>
+              </a:defRPr>
+            </a:lvl2pPr>
+            <a:lvl3pPr marL="1200150" indent="-285750" algn="l" defTabSz="457200" rtl="0" eaLnBrk="1" latinLnBrk="0" hangingPunct="1">
+              <a:spcBef>
+                <a:spcPct val="20000"/>
+              </a:spcBef>
+              <a:spcAft>
+                <a:spcPts val="600"/>
+              </a:spcAft>
+              <a:buClr>
+                <a:schemeClr val="accent1"/>
+              </a:buClr>
+              <a:buSzPct val="115000"/>
+              <a:buFont typeface="Arial"/>
+              <a:buChar char="•"/>
+              <a:defRPr sz="1800" kern="1200" cap="none">
+                <a:solidFill>
+                  <a:schemeClr val="tx1">
+                    <a:lumMod val="85000"/>
+                    <a:lumOff val="15000"/>
+                  </a:schemeClr>
+                </a:solidFill>
+                <a:effectLst/>
+                <a:latin typeface="+mn-lt"/>
+                <a:ea typeface="+mn-ea"/>
+                <a:cs typeface="+mn-cs"/>
+              </a:defRPr>
+            </a:lvl3pPr>
+            <a:lvl4pPr marL="1543050" indent="-171450" algn="l" defTabSz="457200" rtl="0" eaLnBrk="1" latinLnBrk="0" hangingPunct="1">
+              <a:spcBef>
+                <a:spcPct val="20000"/>
+              </a:spcBef>
+              <a:spcAft>
+                <a:spcPts val="600"/>
+              </a:spcAft>
+              <a:buClr>
+                <a:schemeClr val="accent1"/>
+              </a:buClr>
+              <a:buSzPct val="115000"/>
+              <a:buFont typeface="Arial"/>
+              <a:buChar char="•"/>
+              <a:defRPr sz="1600" kern="1200" cap="none">
+                <a:solidFill>
+                  <a:schemeClr val="tx1">
+                    <a:lumMod val="85000"/>
+                    <a:lumOff val="15000"/>
+                  </a:schemeClr>
+                </a:solidFill>
+                <a:effectLst/>
+                <a:latin typeface="+mn-lt"/>
+                <a:ea typeface="+mn-ea"/>
+                <a:cs typeface="+mn-cs"/>
+              </a:defRPr>
+            </a:lvl4pPr>
+            <a:lvl5pPr marL="2000250" indent="-171450" algn="l" defTabSz="457200" rtl="0" eaLnBrk="1" latinLnBrk="0" hangingPunct="1">
+              <a:spcBef>
+                <a:spcPct val="20000"/>
+              </a:spcBef>
+              <a:spcAft>
+                <a:spcPts val="600"/>
+              </a:spcAft>
+              <a:buClr>
+                <a:schemeClr val="accent1"/>
+              </a:buClr>
+              <a:buSzPct val="115000"/>
+              <a:buFont typeface="Arial"/>
+              <a:buChar char="•"/>
+              <a:defRPr sz="1400" kern="1200" cap="none">
+                <a:solidFill>
+                  <a:schemeClr val="tx1">
+                    <a:lumMod val="85000"/>
+                    <a:lumOff val="15000"/>
+                  </a:schemeClr>
+                </a:solidFill>
+                <a:effectLst/>
+                <a:latin typeface="+mn-lt"/>
+                <a:ea typeface="+mn-ea"/>
+                <a:cs typeface="+mn-cs"/>
+              </a:defRPr>
+            </a:lvl5pPr>
+            <a:lvl6pPr marL="2514600" indent="-228600" algn="l" defTabSz="457200" rtl="0" eaLnBrk="1" latinLnBrk="0" hangingPunct="1">
+              <a:spcBef>
+                <a:spcPct val="20000"/>
+              </a:spcBef>
+              <a:spcAft>
+                <a:spcPts val="600"/>
+              </a:spcAft>
+              <a:buClr>
+                <a:schemeClr val="accent1"/>
+              </a:buClr>
+              <a:buSzPct val="115000"/>
+              <a:buFont typeface="Arial"/>
+              <a:buChar char="•"/>
+              <a:defRPr sz="1400" kern="1200" cap="none">
+                <a:solidFill>
+                  <a:schemeClr val="tx1">
+                    <a:lumMod val="85000"/>
+                    <a:lumOff val="15000"/>
+                  </a:schemeClr>
+                </a:solidFill>
+                <a:effectLst/>
+                <a:latin typeface="+mn-lt"/>
+                <a:ea typeface="+mn-ea"/>
+                <a:cs typeface="+mn-cs"/>
+              </a:defRPr>
+            </a:lvl6pPr>
+            <a:lvl7pPr marL="2971800" indent="-228600" algn="l" defTabSz="457200" rtl="0" eaLnBrk="1" latinLnBrk="0" hangingPunct="1">
+              <a:spcBef>
+                <a:spcPct val="20000"/>
+              </a:spcBef>
+              <a:spcAft>
+                <a:spcPts val="600"/>
+              </a:spcAft>
+              <a:buClr>
+                <a:schemeClr val="accent1"/>
+              </a:buClr>
+              <a:buSzPct val="115000"/>
+              <a:buFont typeface="Arial"/>
+              <a:buChar char="•"/>
+              <a:defRPr sz="1400" kern="1200" cap="none">
+                <a:solidFill>
+                  <a:schemeClr val="tx1">
+                    <a:lumMod val="85000"/>
+                    <a:lumOff val="15000"/>
+                  </a:schemeClr>
+                </a:solidFill>
+                <a:effectLst/>
+                <a:latin typeface="+mn-lt"/>
+                <a:ea typeface="+mn-ea"/>
+                <a:cs typeface="+mn-cs"/>
+              </a:defRPr>
+            </a:lvl7pPr>
+            <a:lvl8pPr marL="3429000" indent="-228600" algn="l" defTabSz="457200" rtl="0" eaLnBrk="1" latinLnBrk="0" hangingPunct="1">
+              <a:spcBef>
+                <a:spcPct val="20000"/>
+              </a:spcBef>
+              <a:spcAft>
+                <a:spcPts val="600"/>
+              </a:spcAft>
+              <a:buClr>
+                <a:schemeClr val="accent1"/>
+              </a:buClr>
+              <a:buSzPct val="115000"/>
+              <a:buFont typeface="Arial"/>
+              <a:buChar char="•"/>
+              <a:defRPr sz="1400" kern="1200" cap="none">
+                <a:solidFill>
+                  <a:schemeClr val="tx1">
+                    <a:lumMod val="85000"/>
+                    <a:lumOff val="15000"/>
+                  </a:schemeClr>
+                </a:solidFill>
+                <a:effectLst/>
+                <a:latin typeface="+mn-lt"/>
+                <a:ea typeface="+mn-ea"/>
+                <a:cs typeface="+mn-cs"/>
+              </a:defRPr>
+            </a:lvl8pPr>
+            <a:lvl9pPr marL="3886200" indent="-228600" algn="l" defTabSz="457200" rtl="0" eaLnBrk="1" latinLnBrk="0" hangingPunct="1">
+              <a:spcBef>
+                <a:spcPct val="20000"/>
+              </a:spcBef>
+              <a:spcAft>
+                <a:spcPts val="600"/>
+              </a:spcAft>
+              <a:buClr>
+                <a:schemeClr val="accent1"/>
+              </a:buClr>
+              <a:buSzPct val="115000"/>
+              <a:buFont typeface="Arial"/>
+              <a:buChar char="•"/>
+              <a:defRPr sz="1400" kern="1200" cap="none">
+                <a:solidFill>
+                  <a:schemeClr val="tx1">
+                    <a:lumMod val="85000"/>
+                    <a:lumOff val="15000"/>
+                  </a:schemeClr>
+                </a:solidFill>
+                <a:effectLst/>
+                <a:latin typeface="+mn-lt"/>
+                <a:ea typeface="+mn-ea"/>
+                <a:cs typeface="+mn-cs"/>
+              </a:defRPr>
+            </a:lvl9pPr>
+          </a:lstStyle>
+          <a:p>
+            <a:r>
+              <a:rPr lang="zh-TW" altLang="en-US" dirty="0"/>
+              <a:t>輸出：</a:t>
+            </a:r>
+            <a:endParaRPr lang="en-US" altLang="zh-TW" dirty="0"/>
+          </a:p>
+          <a:p>
+            <a:pPr lvl="1"/>
+            <a:r>
+              <a:rPr lang="zh-TW" altLang="en-US" dirty="0"/>
+              <a:t>預測落點</a:t>
+            </a:r>
+            <a:endParaRPr lang="en-US" altLang="zh-TW" dirty="0"/>
+          </a:p>
+          <a:p>
+            <a:pPr lvl="1"/>
+            <a:r>
+              <a:rPr lang="zh-TW" altLang="en-US" dirty="0"/>
+              <a:t>平板左移</a:t>
+            </a:r>
+            <a:endParaRPr lang="en-US" altLang="zh-TW" dirty="0"/>
+          </a:p>
+          <a:p>
+            <a:pPr lvl="1"/>
+            <a:r>
+              <a:rPr lang="zh-TW" altLang="en-US" dirty="0"/>
+              <a:t>平板右移</a:t>
+            </a:r>
+            <a:endParaRPr lang="en-US" altLang="zh-TW" dirty="0"/>
+          </a:p>
+          <a:p>
+            <a:pPr lvl="1"/>
+            <a:r>
+              <a:rPr lang="zh-TW" altLang="en-US" dirty="0"/>
+              <a:t>平板靜止</a:t>
+            </a:r>
+          </a:p>
+          <a:p>
+            <a:pPr lvl="1"/>
+            <a:endParaRPr lang="zh-TW" altLang="en-US" dirty="0"/>
+          </a:p>
+        </p:txBody>
+      </p:sp>
+    </p:spTree>
+    <p:extLst>
+      <p:ext uri="{BB962C8B-B14F-4D97-AF65-F5344CB8AC3E}">
+        <p14:creationId xmlns:p14="http://schemas.microsoft.com/office/powerpoint/2010/main" val="287027274"/>
       </p:ext>
     </p:extLst>
   </p:cSld>

--- a/Hw6/ML_PingPong.pptx
+++ b/Hw6/ML_PingPong.pptx
@@ -16,6 +16,7 @@
     <p:sldId id="264" r:id="rId10"/>
     <p:sldId id="265" r:id="rId11"/>
     <p:sldId id="266" r:id="rId12"/>
+    <p:sldId id="267" r:id="rId13"/>
   </p:sldIdLst>
   <p:sldSz cx="12192000" cy="6858000"/>
   <p:notesSz cx="6858000" cy="9144000"/>
@@ -6333,6 +6334,102 @@
 </p:sld>
 </file>
 
+<file path=ppt/slides/slide12.xml><?xml version="1.0" encoding="utf-8"?>
+<p:sld xmlns:a="http://schemas.openxmlformats.org/drawingml/2006/main" xmlns:r="http://schemas.openxmlformats.org/officeDocument/2006/relationships" xmlns:p="http://schemas.openxmlformats.org/presentationml/2006/main">
+  <p:cSld>
+    <p:spTree>
+      <p:nvGrpSpPr>
+        <p:cNvPr id="1" name=""/>
+        <p:cNvGrpSpPr/>
+        <p:nvPr/>
+      </p:nvGrpSpPr>
+      <p:grpSpPr>
+        <a:xfrm>
+          <a:off x="0" y="0"/>
+          <a:ext cx="0" cy="0"/>
+          <a:chOff x="0" y="0"/>
+          <a:chExt cx="0" cy="0"/>
+        </a:xfrm>
+      </p:grpSpPr>
+      <p:sp>
+        <p:nvSpPr>
+          <p:cNvPr id="2" name="標題 1">
+            <a:extLst>
+              <a:ext uri="{FF2B5EF4-FFF2-40B4-BE49-F238E27FC236}">
+                <a16:creationId xmlns:a16="http://schemas.microsoft.com/office/drawing/2014/main" id="{9F94AEA4-7803-49CC-84CF-5DF36E92463E}"/>
+              </a:ext>
+            </a:extLst>
+          </p:cNvPr>
+          <p:cNvSpPr>
+            <a:spLocks noGrp="1"/>
+          </p:cNvSpPr>
+          <p:nvPr>
+            <p:ph type="title"/>
+          </p:nvPr>
+        </p:nvSpPr>
+        <p:spPr/>
+        <p:txBody>
+          <a:bodyPr/>
+          <a:lstStyle/>
+          <a:p>
+            <a:r>
+              <a:rPr lang="zh-TW" altLang="en-US" dirty="0"/>
+              <a:t>設計 </a:t>
+            </a:r>
+            <a:r>
+              <a:rPr lang="en-US" altLang="zh-TW" dirty="0"/>
+              <a:t>–</a:t>
+            </a:r>
+            <a:r>
+              <a:rPr lang="zh-TW" altLang="en-US" dirty="0"/>
+              <a:t> </a:t>
+            </a:r>
+            <a:r>
+              <a:rPr lang="en-US" altLang="zh-TW" dirty="0"/>
+              <a:t>SVM</a:t>
+            </a:r>
+            <a:endParaRPr lang="zh-TW" altLang="en-US" dirty="0"/>
+          </a:p>
+        </p:txBody>
+      </p:sp>
+      <p:sp>
+        <p:nvSpPr>
+          <p:cNvPr id="8" name="內容版面配置區 7">
+            <a:extLst>
+              <a:ext uri="{FF2B5EF4-FFF2-40B4-BE49-F238E27FC236}">
+                <a16:creationId xmlns:a16="http://schemas.microsoft.com/office/drawing/2014/main" id="{2089A417-7629-47ED-A9BE-E243C07944D9}"/>
+              </a:ext>
+            </a:extLst>
+          </p:cNvPr>
+          <p:cNvSpPr>
+            <a:spLocks noGrp="1"/>
+          </p:cNvSpPr>
+          <p:nvPr>
+            <p:ph idx="1"/>
+          </p:nvPr>
+        </p:nvSpPr>
+        <p:spPr/>
+        <p:txBody>
+          <a:bodyPr/>
+          <a:lstStyle/>
+          <a:p>
+            <a:endParaRPr lang="en-US" altLang="zh-TW" sz="1800" dirty="0"/>
+          </a:p>
+        </p:txBody>
+      </p:sp>
+    </p:spTree>
+    <p:extLst>
+      <p:ext uri="{BB962C8B-B14F-4D97-AF65-F5344CB8AC3E}">
+        <p14:creationId xmlns:p14="http://schemas.microsoft.com/office/powerpoint/2010/main" val="1560209778"/>
+      </p:ext>
+    </p:extLst>
+  </p:cSld>
+  <p:clrMapOvr>
+    <a:masterClrMapping/>
+  </p:clrMapOvr>
+</p:sld>
+</file>
+
 <file path=ppt/slides/slide2.xml><?xml version="1.0" encoding="utf-8"?>
 <p:sld xmlns:a="http://schemas.openxmlformats.org/drawingml/2006/main" xmlns:r="http://schemas.openxmlformats.org/officeDocument/2006/relationships" xmlns:p="http://schemas.openxmlformats.org/presentationml/2006/main">
   <p:cSld>

--- a/Hw6/ML_PingPong.pptx
+++ b/Hw6/ML_PingPong.pptx
@@ -16,7 +16,6 @@
     <p:sldId id="264" r:id="rId10"/>
     <p:sldId id="265" r:id="rId11"/>
     <p:sldId id="266" r:id="rId12"/>
-    <p:sldId id="267" r:id="rId13"/>
   </p:sldIdLst>
   <p:sldSz cx="12192000" cy="6858000"/>
   <p:notesSz cx="6858000" cy="9144000"/>
@@ -6334,102 +6333,6 @@
 </p:sld>
 </file>
 
-<file path=ppt/slides/slide12.xml><?xml version="1.0" encoding="utf-8"?>
-<p:sld xmlns:a="http://schemas.openxmlformats.org/drawingml/2006/main" xmlns:r="http://schemas.openxmlformats.org/officeDocument/2006/relationships" xmlns:p="http://schemas.openxmlformats.org/presentationml/2006/main">
-  <p:cSld>
-    <p:spTree>
-      <p:nvGrpSpPr>
-        <p:cNvPr id="1" name=""/>
-        <p:cNvGrpSpPr/>
-        <p:nvPr/>
-      </p:nvGrpSpPr>
-      <p:grpSpPr>
-        <a:xfrm>
-          <a:off x="0" y="0"/>
-          <a:ext cx="0" cy="0"/>
-          <a:chOff x="0" y="0"/>
-          <a:chExt cx="0" cy="0"/>
-        </a:xfrm>
-      </p:grpSpPr>
-      <p:sp>
-        <p:nvSpPr>
-          <p:cNvPr id="2" name="標題 1">
-            <a:extLst>
-              <a:ext uri="{FF2B5EF4-FFF2-40B4-BE49-F238E27FC236}">
-                <a16:creationId xmlns:a16="http://schemas.microsoft.com/office/drawing/2014/main" id="{9F94AEA4-7803-49CC-84CF-5DF36E92463E}"/>
-              </a:ext>
-            </a:extLst>
-          </p:cNvPr>
-          <p:cNvSpPr>
-            <a:spLocks noGrp="1"/>
-          </p:cNvSpPr>
-          <p:nvPr>
-            <p:ph type="title"/>
-          </p:nvPr>
-        </p:nvSpPr>
-        <p:spPr/>
-        <p:txBody>
-          <a:bodyPr/>
-          <a:lstStyle/>
-          <a:p>
-            <a:r>
-              <a:rPr lang="zh-TW" altLang="en-US" dirty="0"/>
-              <a:t>設計 </a:t>
-            </a:r>
-            <a:r>
-              <a:rPr lang="en-US" altLang="zh-TW" dirty="0"/>
-              <a:t>–</a:t>
-            </a:r>
-            <a:r>
-              <a:rPr lang="zh-TW" altLang="en-US" dirty="0"/>
-              <a:t> </a:t>
-            </a:r>
-            <a:r>
-              <a:rPr lang="en-US" altLang="zh-TW" dirty="0"/>
-              <a:t>SVM</a:t>
-            </a:r>
-            <a:endParaRPr lang="zh-TW" altLang="en-US" dirty="0"/>
-          </a:p>
-        </p:txBody>
-      </p:sp>
-      <p:sp>
-        <p:nvSpPr>
-          <p:cNvPr id="8" name="內容版面配置區 7">
-            <a:extLst>
-              <a:ext uri="{FF2B5EF4-FFF2-40B4-BE49-F238E27FC236}">
-                <a16:creationId xmlns:a16="http://schemas.microsoft.com/office/drawing/2014/main" id="{2089A417-7629-47ED-A9BE-E243C07944D9}"/>
-              </a:ext>
-            </a:extLst>
-          </p:cNvPr>
-          <p:cNvSpPr>
-            <a:spLocks noGrp="1"/>
-          </p:cNvSpPr>
-          <p:nvPr>
-            <p:ph idx="1"/>
-          </p:nvPr>
-        </p:nvSpPr>
-        <p:spPr/>
-        <p:txBody>
-          <a:bodyPr/>
-          <a:lstStyle/>
-          <a:p>
-            <a:endParaRPr lang="en-US" altLang="zh-TW" sz="1800" dirty="0"/>
-          </a:p>
-        </p:txBody>
-      </p:sp>
-    </p:spTree>
-    <p:extLst>
-      <p:ext uri="{BB962C8B-B14F-4D97-AF65-F5344CB8AC3E}">
-        <p14:creationId xmlns:p14="http://schemas.microsoft.com/office/powerpoint/2010/main" val="1560209778"/>
-      </p:ext>
-    </p:extLst>
-  </p:cSld>
-  <p:clrMapOvr>
-    <a:masterClrMapping/>
-  </p:clrMapOvr>
-</p:sld>
-</file>
-
 <file path=ppt/slides/slide2.xml><?xml version="1.0" encoding="utf-8"?>
 <p:sld xmlns:a="http://schemas.openxmlformats.org/drawingml/2006/main" xmlns:r="http://schemas.openxmlformats.org/officeDocument/2006/relationships" xmlns:p="http://schemas.openxmlformats.org/presentationml/2006/main">
   <p:cSld>

--- a/Hw6/ML_PingPong.pptx
+++ b/Hw6/ML_PingPong.pptx
@@ -12,10 +12,15 @@
     <p:sldId id="260" r:id="rId6"/>
     <p:sldId id="262" r:id="rId7"/>
     <p:sldId id="263" r:id="rId8"/>
-    <p:sldId id="261" r:id="rId9"/>
-    <p:sldId id="264" r:id="rId10"/>
-    <p:sldId id="265" r:id="rId11"/>
-    <p:sldId id="266" r:id="rId12"/>
+    <p:sldId id="267" r:id="rId9"/>
+    <p:sldId id="261" r:id="rId10"/>
+    <p:sldId id="264" r:id="rId11"/>
+    <p:sldId id="265" r:id="rId12"/>
+    <p:sldId id="266" r:id="rId13"/>
+    <p:sldId id="271" r:id="rId14"/>
+    <p:sldId id="269" r:id="rId15"/>
+    <p:sldId id="270" r:id="rId16"/>
+    <p:sldId id="268" r:id="rId17"/>
   </p:sldIdLst>
   <p:sldSz cx="12192000" cy="6858000"/>
   <p:notesSz cx="6858000" cy="9144000"/>
@@ -453,7 +458,7 @@
           <a:p>
             <a:fld id="{CC1EB1E0-D451-4E51-B5B8-D343500E021C}" type="datetimeFigureOut">
               <a:rPr lang="zh-TW" altLang="en-US" smtClean="0"/>
-              <a:t>2019/12/11</a:t>
+              <a:t>2019/12/30</a:t>
             </a:fld>
             <a:endParaRPr lang="zh-TW" altLang="en-US"/>
           </a:p>
@@ -777,7 +782,7 @@
           <a:p>
             <a:fld id="{CC1EB1E0-D451-4E51-B5B8-D343500E021C}" type="datetimeFigureOut">
               <a:rPr lang="zh-TW" altLang="en-US" smtClean="0"/>
-              <a:t>2019/12/11</a:t>
+              <a:t>2019/12/30</a:t>
             </a:fld>
             <a:endParaRPr lang="zh-TW" altLang="en-US"/>
           </a:p>
@@ -1025,7 +1030,7 @@
           <a:p>
             <a:fld id="{CC1EB1E0-D451-4E51-B5B8-D343500E021C}" type="datetimeFigureOut">
               <a:rPr lang="zh-TW" altLang="en-US" smtClean="0"/>
-              <a:t>2019/12/11</a:t>
+              <a:t>2019/12/30</a:t>
             </a:fld>
             <a:endParaRPr lang="zh-TW" altLang="en-US"/>
           </a:p>
@@ -1364,7 +1369,7 @@
           <a:p>
             <a:fld id="{CC1EB1E0-D451-4E51-B5B8-D343500E021C}" type="datetimeFigureOut">
               <a:rPr lang="zh-TW" altLang="en-US" smtClean="0"/>
-              <a:t>2019/12/11</a:t>
+              <a:t>2019/12/30</a:t>
             </a:fld>
             <a:endParaRPr lang="zh-TW" altLang="en-US"/>
           </a:p>
@@ -1711,7 +1716,7 @@
           <a:p>
             <a:fld id="{CC1EB1E0-D451-4E51-B5B8-D343500E021C}" type="datetimeFigureOut">
               <a:rPr lang="zh-TW" altLang="en-US" smtClean="0"/>
-              <a:t>2019/12/11</a:t>
+              <a:t>2019/12/30</a:t>
             </a:fld>
             <a:endParaRPr lang="zh-TW" altLang="en-US"/>
           </a:p>
@@ -2085,7 +2090,7 @@
           <a:p>
             <a:fld id="{CC1EB1E0-D451-4E51-B5B8-D343500E021C}" type="datetimeFigureOut">
               <a:rPr lang="zh-TW" altLang="en-US" smtClean="0"/>
-              <a:t>2019/12/11</a:t>
+              <a:t>2019/12/30</a:t>
             </a:fld>
             <a:endParaRPr lang="zh-TW" altLang="en-US"/>
           </a:p>
@@ -2555,7 +2560,7 @@
           <a:p>
             <a:fld id="{CC1EB1E0-D451-4E51-B5B8-D343500E021C}" type="datetimeFigureOut">
               <a:rPr lang="zh-TW" altLang="en-US" smtClean="0"/>
-              <a:t>2019/12/11</a:t>
+              <a:t>2019/12/30</a:t>
             </a:fld>
             <a:endParaRPr lang="zh-TW" altLang="en-US"/>
           </a:p>
@@ -2760,7 +2765,7 @@
           <a:p>
             <a:fld id="{CC1EB1E0-D451-4E51-B5B8-D343500E021C}" type="datetimeFigureOut">
               <a:rPr lang="zh-TW" altLang="en-US" smtClean="0"/>
-              <a:t>2019/12/11</a:t>
+              <a:t>2019/12/30</a:t>
             </a:fld>
             <a:endParaRPr lang="zh-TW" altLang="en-US"/>
           </a:p>
@@ -2971,7 +2976,7 @@
           <a:p>
             <a:fld id="{CC1EB1E0-D451-4E51-B5B8-D343500E021C}" type="datetimeFigureOut">
               <a:rPr lang="zh-TW" altLang="en-US" smtClean="0"/>
-              <a:t>2019/12/11</a:t>
+              <a:t>2019/12/30</a:t>
             </a:fld>
             <a:endParaRPr lang="zh-TW" altLang="en-US"/>
           </a:p>
@@ -3203,7 +3208,7 @@
           <a:p>
             <a:fld id="{CC1EB1E0-D451-4E51-B5B8-D343500E021C}" type="datetimeFigureOut">
               <a:rPr lang="zh-TW" altLang="en-US" smtClean="0"/>
-              <a:t>2019/12/11</a:t>
+              <a:t>2019/12/30</a:t>
             </a:fld>
             <a:endParaRPr lang="zh-TW" altLang="en-US"/>
           </a:p>
@@ -3451,7 +3456,7 @@
           <a:p>
             <a:fld id="{CC1EB1E0-D451-4E51-B5B8-D343500E021C}" type="datetimeFigureOut">
               <a:rPr lang="zh-TW" altLang="en-US" smtClean="0"/>
-              <a:t>2019/12/11</a:t>
+              <a:t>2019/12/30</a:t>
             </a:fld>
             <a:endParaRPr lang="zh-TW" altLang="en-US"/>
           </a:p>
@@ -3749,7 +3754,7 @@
           <a:p>
             <a:fld id="{CC1EB1E0-D451-4E51-B5B8-D343500E021C}" type="datetimeFigureOut">
               <a:rPr lang="zh-TW" altLang="en-US" smtClean="0"/>
-              <a:t>2019/12/11</a:t>
+              <a:t>2019/12/30</a:t>
             </a:fld>
             <a:endParaRPr lang="zh-TW" altLang="en-US"/>
           </a:p>
@@ -4143,7 +4148,7 @@
           <a:p>
             <a:fld id="{CC1EB1E0-D451-4E51-B5B8-D343500E021C}" type="datetimeFigureOut">
               <a:rPr lang="zh-TW" altLang="en-US" smtClean="0"/>
-              <a:t>2019/12/11</a:t>
+              <a:t>2019/12/30</a:t>
             </a:fld>
             <a:endParaRPr lang="zh-TW" altLang="en-US"/>
           </a:p>
@@ -4292,7 +4297,7 @@
           <a:p>
             <a:fld id="{CC1EB1E0-D451-4E51-B5B8-D343500E021C}" type="datetimeFigureOut">
               <a:rPr lang="zh-TW" altLang="en-US" smtClean="0"/>
-              <a:t>2019/12/11</a:t>
+              <a:t>2019/12/30</a:t>
             </a:fld>
             <a:endParaRPr lang="zh-TW" altLang="en-US"/>
           </a:p>
@@ -4418,7 +4423,7 @@
           <a:p>
             <a:fld id="{CC1EB1E0-D451-4E51-B5B8-D343500E021C}" type="datetimeFigureOut">
               <a:rPr lang="zh-TW" altLang="en-US" smtClean="0"/>
-              <a:t>2019/12/11</a:t>
+              <a:t>2019/12/30</a:t>
             </a:fld>
             <a:endParaRPr lang="zh-TW" altLang="en-US"/>
           </a:p>
@@ -4673,7 +4678,7 @@
           <a:p>
             <a:fld id="{CC1EB1E0-D451-4E51-B5B8-D343500E021C}" type="datetimeFigureOut">
               <a:rPr lang="zh-TW" altLang="en-US" smtClean="0"/>
-              <a:t>2019/12/11</a:t>
+              <a:t>2019/12/30</a:t>
             </a:fld>
             <a:endParaRPr lang="zh-TW" altLang="en-US"/>
           </a:p>
@@ -4988,7 +4993,7 @@
           <a:p>
             <a:fld id="{CC1EB1E0-D451-4E51-B5B8-D343500E021C}" type="datetimeFigureOut">
               <a:rPr lang="zh-TW" altLang="en-US" smtClean="0"/>
-              <a:t>2019/12/11</a:t>
+              <a:t>2019/12/30</a:t>
             </a:fld>
             <a:endParaRPr lang="zh-TW" altLang="en-US"/>
           </a:p>
@@ -5339,7 +5344,7 @@
           <a:p>
             <a:fld id="{CC1EB1E0-D451-4E51-B5B8-D343500E021C}" type="datetimeFigureOut">
               <a:rPr lang="zh-TW" altLang="en-US" smtClean="0"/>
-              <a:t>2019/12/11</a:t>
+              <a:t>2019/12/30</a:t>
             </a:fld>
             <a:endParaRPr lang="zh-TW" altLang="en-US"/>
           </a:p>
@@ -6054,10 +6059,10 @@
       </p:sp>
       <p:sp>
         <p:nvSpPr>
-          <p:cNvPr id="8" name="內容版面配置區 7">
+          <p:cNvPr id="3" name="內容版面配置區 2">
             <a:extLst>
               <a:ext uri="{FF2B5EF4-FFF2-40B4-BE49-F238E27FC236}">
-                <a16:creationId xmlns:a16="http://schemas.microsoft.com/office/drawing/2014/main" id="{2089A417-7629-47ED-A9BE-E243C07944D9}"/>
+                <a16:creationId xmlns:a16="http://schemas.microsoft.com/office/drawing/2014/main" id="{BFB33A8A-9A71-475A-B19C-9DD193A3C3DF}"/>
               </a:ext>
             </a:extLst>
           </p:cNvPr>
@@ -6068,26 +6073,19 @@
             <p:ph idx="1"/>
           </p:nvPr>
         </p:nvSpPr>
-        <p:spPr/>
+        <p:spPr>
+          <a:xfrm>
+            <a:off x="2564905" y="2556932"/>
+            <a:ext cx="3187823" cy="3318936"/>
+          </a:xfrm>
+        </p:spPr>
         <p:txBody>
           <a:bodyPr/>
           <a:lstStyle/>
           <a:p>
             <a:r>
-              <a:rPr lang="en-US" altLang="zh-TW" dirty="0"/>
-              <a:t>1P</a:t>
-            </a:r>
-            <a:r>
-              <a:rPr lang="zh-TW" altLang="en-US" dirty="0"/>
-              <a:t>、</a:t>
-            </a:r>
-            <a:r>
-              <a:rPr lang="en-US" altLang="zh-TW" dirty="0"/>
-              <a:t>2P</a:t>
-            </a:r>
-            <a:r>
-              <a:rPr lang="zh-TW" altLang="en-US" dirty="0"/>
-              <a:t>：</a:t>
+              <a:rPr lang="zh-TW" altLang="en-US" dirty="0"/>
+              <a:t>輸入：</a:t>
             </a:r>
             <a:endParaRPr lang="en-US" altLang="zh-TW" dirty="0"/>
           </a:p>
@@ -6095,23 +6093,7 @@
             <a:pPr lvl="1"/>
             <a:r>
               <a:rPr lang="zh-TW" altLang="en-US" dirty="0"/>
-              <a:t>球上升階段：</a:t>
-            </a:r>
-            <a:endParaRPr lang="en-US" altLang="zh-TW" dirty="0"/>
-          </a:p>
-          <a:p>
-            <a:pPr lvl="2"/>
-            <a:r>
-              <a:rPr lang="zh-TW" altLang="en-US" dirty="0"/>
-              <a:t>預測位置 </a:t>
-            </a:r>
-            <a:r>
-              <a:rPr lang="en-US" altLang="zh-TW" dirty="0"/>
-              <a:t>=</a:t>
-            </a:r>
-            <a:r>
-              <a:rPr lang="zh-TW" altLang="en-US" dirty="0"/>
-              <a:t> 目前球</a:t>
+              <a:t>目前球</a:t>
             </a:r>
             <a:r>
               <a:rPr lang="en-US" altLang="zh-TW" dirty="0"/>
@@ -6119,47 +6101,31 @@
             </a:r>
             <a:r>
               <a:rPr lang="zh-TW" altLang="en-US" dirty="0"/>
-              <a:t> </a:t>
+              <a:t>座標</a:t>
+            </a:r>
+            <a:endParaRPr lang="en-US" altLang="zh-TW" dirty="0"/>
+          </a:p>
+          <a:p>
+            <a:pPr lvl="1"/>
+            <a:r>
+              <a:rPr lang="zh-TW" altLang="en-US" dirty="0"/>
+              <a:t>目前球</a:t>
             </a:r>
             <a:r>
               <a:rPr lang="en-US" altLang="zh-TW" dirty="0"/>
-              <a:t>–</a:t>
-            </a:r>
-            <a:r>
-              <a:rPr lang="zh-TW" altLang="en-US" dirty="0"/>
-              <a:t> </a:t>
-            </a:r>
-            <a:r>
-              <a:rPr lang="en-US" altLang="zh-TW" dirty="0"/>
-              <a:t>((</a:t>
-            </a:r>
-            <a:r>
-              <a:rPr lang="zh-TW" altLang="en-US" dirty="0"/>
-              <a:t>遊戲長度 </a:t>
-            </a:r>
-            <a:r>
-              <a:rPr lang="en-US" altLang="zh-TW" dirty="0"/>
-              <a:t>–</a:t>
-            </a:r>
-            <a:r>
-              <a:rPr lang="zh-TW" altLang="en-US" dirty="0"/>
-              <a:t> 目前球</a:t>
-            </a:r>
-            <a:r>
-              <a:rPr lang="en-US" altLang="zh-TW" dirty="0"/>
-              <a:t>Y)/Y</a:t>
-            </a:r>
-            <a:r>
-              <a:rPr lang="zh-TW" altLang="en-US" dirty="0"/>
-              <a:t>斜率</a:t>
-            </a:r>
-            <a:r>
-              <a:rPr lang="en-US" altLang="zh-TW" dirty="0"/>
-              <a:t>)</a:t>
-            </a:r>
-            <a:r>
-              <a:rPr lang="zh-TW" altLang="en-US" dirty="0"/>
-              <a:t>*</a:t>
+              <a:t>Y</a:t>
+            </a:r>
+            <a:r>
+              <a:rPr lang="zh-TW" altLang="en-US" dirty="0"/>
+              <a:t>座標</a:t>
+            </a:r>
+            <a:endParaRPr lang="en-US" altLang="zh-TW" dirty="0"/>
+          </a:p>
+          <a:p>
+            <a:pPr lvl="1"/>
+            <a:r>
+              <a:rPr lang="zh-TW" altLang="en-US" dirty="0"/>
+              <a:t>前一點球</a:t>
             </a:r>
             <a:r>
               <a:rPr lang="en-US" altLang="zh-TW" dirty="0"/>
@@ -6167,67 +6133,359 @@
             </a:r>
             <a:r>
               <a:rPr lang="zh-TW" altLang="en-US" dirty="0"/>
-              <a:t>斜率</a:t>
+              <a:t>座標</a:t>
             </a:r>
             <a:endParaRPr lang="en-US" altLang="zh-TW" dirty="0"/>
           </a:p>
           <a:p>
-            <a:pPr lvl="2"/>
-            <a:r>
-              <a:rPr lang="zh-TW" altLang="en-US" dirty="0"/>
-              <a:t>若預測位置大於遊戲半長</a:t>
+            <a:pPr lvl="1"/>
+            <a:r>
+              <a:rPr lang="zh-TW" altLang="en-US" dirty="0"/>
+              <a:t>前一點球</a:t>
+            </a:r>
+            <a:r>
+              <a:rPr lang="en-US" altLang="zh-TW" dirty="0"/>
+              <a:t>Y</a:t>
+            </a:r>
+            <a:r>
+              <a:rPr lang="zh-TW" altLang="en-US" dirty="0"/>
+              <a:t>座標</a:t>
             </a:r>
             <a:endParaRPr lang="en-US" altLang="zh-TW" dirty="0"/>
           </a:p>
           <a:p>
-            <a:pPr lvl="3"/>
-            <a:r>
-              <a:rPr lang="zh-TW" altLang="en-US" sz="1800" dirty="0"/>
-              <a:t>預測位置 </a:t>
-            </a:r>
-            <a:r>
-              <a:rPr lang="en-US" altLang="zh-TW" sz="1800" dirty="0"/>
-              <a:t>=</a:t>
-            </a:r>
-            <a:r>
-              <a:rPr lang="zh-TW" altLang="en-US" sz="1800" dirty="0"/>
-              <a:t> 預測位置 </a:t>
-            </a:r>
-            <a:r>
-              <a:rPr lang="en-US" altLang="zh-TW" sz="1800" dirty="0"/>
-              <a:t>–</a:t>
-            </a:r>
-            <a:r>
-              <a:rPr lang="zh-TW" altLang="en-US" sz="1800" dirty="0"/>
-              <a:t> 遊戲半長</a:t>
-            </a:r>
-            <a:endParaRPr lang="en-US" altLang="zh-TW" sz="1800" dirty="0"/>
-          </a:p>
-          <a:p>
-            <a:pPr lvl="2"/>
-            <a:r>
-              <a:rPr lang="zh-TW" altLang="en-US" dirty="0"/>
-              <a:t>若小於</a:t>
+            <a:pPr lvl="1"/>
+            <a:r>
+              <a:rPr lang="zh-TW" altLang="en-US" dirty="0"/>
+              <a:t>平板</a:t>
             </a:r>
             <a:r>
               <a:rPr lang="en-US" altLang="zh-TW" dirty="0"/>
-              <a:t>0</a:t>
-            </a:r>
-          </a:p>
-          <a:p>
-            <a:pPr lvl="3"/>
-            <a:r>
-              <a:rPr lang="zh-TW" altLang="en-US" sz="1800" dirty="0"/>
-              <a:t>預測位置做絕對值</a:t>
-            </a:r>
-            <a:endParaRPr lang="en-US" altLang="zh-TW" sz="1800" dirty="0"/>
+              <a:t>X</a:t>
+            </a:r>
+            <a:r>
+              <a:rPr lang="zh-TW" altLang="en-US" dirty="0"/>
+              <a:t>座標</a:t>
+            </a:r>
+            <a:endParaRPr lang="en-US" altLang="zh-TW" dirty="0"/>
+          </a:p>
+          <a:p>
+            <a:pPr lvl="1"/>
+            <a:endParaRPr lang="zh-TW" altLang="en-US" dirty="0"/>
+          </a:p>
+        </p:txBody>
+      </p:sp>
+      <p:sp>
+        <p:nvSpPr>
+          <p:cNvPr id="4" name="內容版面配置區 2">
+            <a:extLst>
+              <a:ext uri="{FF2B5EF4-FFF2-40B4-BE49-F238E27FC236}">
+                <a16:creationId xmlns:a16="http://schemas.microsoft.com/office/drawing/2014/main" id="{4ECC11A3-9704-4AAD-9965-1573CE5A66CE}"/>
+              </a:ext>
+            </a:extLst>
+          </p:cNvPr>
+          <p:cNvSpPr txBox="1">
+            <a:spLocks/>
+          </p:cNvSpPr>
+          <p:nvPr/>
+        </p:nvSpPr>
+        <p:spPr>
+          <a:xfrm>
+            <a:off x="6632362" y="2556932"/>
+            <a:ext cx="3187823" cy="3318936"/>
+          </a:xfrm>
+          <a:prstGeom prst="rect">
+            <a:avLst/>
+          </a:prstGeom>
+        </p:spPr>
+        <p:txBody>
+          <a:bodyPr vert="horz" lIns="91440" tIns="45720" rIns="91440" bIns="45720" rtlCol="0" anchor="t">
+            <a:normAutofit/>
+          </a:bodyPr>
+          <a:lstStyle>
+            <a:lvl1pPr marL="285750" indent="-285750" algn="l" defTabSz="457200" rtl="0" eaLnBrk="1" latinLnBrk="0" hangingPunct="1">
+              <a:spcBef>
+                <a:spcPct val="20000"/>
+              </a:spcBef>
+              <a:spcAft>
+                <a:spcPts val="600"/>
+              </a:spcAft>
+              <a:buClr>
+                <a:schemeClr val="accent1"/>
+              </a:buClr>
+              <a:buSzPct val="115000"/>
+              <a:buFont typeface="Arial"/>
+              <a:buChar char="•"/>
+              <a:defRPr sz="2400" kern="1200" cap="none">
+                <a:solidFill>
+                  <a:schemeClr val="tx1">
+                    <a:lumMod val="85000"/>
+                    <a:lumOff val="15000"/>
+                  </a:schemeClr>
+                </a:solidFill>
+                <a:effectLst/>
+                <a:latin typeface="+mn-lt"/>
+                <a:ea typeface="+mn-ea"/>
+                <a:cs typeface="+mn-cs"/>
+              </a:defRPr>
+            </a:lvl1pPr>
+            <a:lvl2pPr marL="742950" indent="-285750" algn="l" defTabSz="457200" rtl="0" eaLnBrk="1" latinLnBrk="0" hangingPunct="1">
+              <a:spcBef>
+                <a:spcPct val="20000"/>
+              </a:spcBef>
+              <a:spcAft>
+                <a:spcPts val="600"/>
+              </a:spcAft>
+              <a:buClr>
+                <a:schemeClr val="accent1"/>
+              </a:buClr>
+              <a:buSzPct val="115000"/>
+              <a:buFont typeface="Arial"/>
+              <a:buChar char="•"/>
+              <a:defRPr sz="2000" kern="1200" cap="none">
+                <a:solidFill>
+                  <a:schemeClr val="tx1">
+                    <a:lumMod val="85000"/>
+                    <a:lumOff val="15000"/>
+                  </a:schemeClr>
+                </a:solidFill>
+                <a:effectLst/>
+                <a:latin typeface="+mn-lt"/>
+                <a:ea typeface="+mn-ea"/>
+                <a:cs typeface="+mn-cs"/>
+              </a:defRPr>
+            </a:lvl2pPr>
+            <a:lvl3pPr marL="1200150" indent="-285750" algn="l" defTabSz="457200" rtl="0" eaLnBrk="1" latinLnBrk="0" hangingPunct="1">
+              <a:spcBef>
+                <a:spcPct val="20000"/>
+              </a:spcBef>
+              <a:spcAft>
+                <a:spcPts val="600"/>
+              </a:spcAft>
+              <a:buClr>
+                <a:schemeClr val="accent1"/>
+              </a:buClr>
+              <a:buSzPct val="115000"/>
+              <a:buFont typeface="Arial"/>
+              <a:buChar char="•"/>
+              <a:defRPr sz="1800" kern="1200" cap="none">
+                <a:solidFill>
+                  <a:schemeClr val="tx1">
+                    <a:lumMod val="85000"/>
+                    <a:lumOff val="15000"/>
+                  </a:schemeClr>
+                </a:solidFill>
+                <a:effectLst/>
+                <a:latin typeface="+mn-lt"/>
+                <a:ea typeface="+mn-ea"/>
+                <a:cs typeface="+mn-cs"/>
+              </a:defRPr>
+            </a:lvl3pPr>
+            <a:lvl4pPr marL="1543050" indent="-171450" algn="l" defTabSz="457200" rtl="0" eaLnBrk="1" latinLnBrk="0" hangingPunct="1">
+              <a:spcBef>
+                <a:spcPct val="20000"/>
+              </a:spcBef>
+              <a:spcAft>
+                <a:spcPts val="600"/>
+              </a:spcAft>
+              <a:buClr>
+                <a:schemeClr val="accent1"/>
+              </a:buClr>
+              <a:buSzPct val="115000"/>
+              <a:buFont typeface="Arial"/>
+              <a:buChar char="•"/>
+              <a:defRPr sz="1600" kern="1200" cap="none">
+                <a:solidFill>
+                  <a:schemeClr val="tx1">
+                    <a:lumMod val="85000"/>
+                    <a:lumOff val="15000"/>
+                  </a:schemeClr>
+                </a:solidFill>
+                <a:effectLst/>
+                <a:latin typeface="+mn-lt"/>
+                <a:ea typeface="+mn-ea"/>
+                <a:cs typeface="+mn-cs"/>
+              </a:defRPr>
+            </a:lvl4pPr>
+            <a:lvl5pPr marL="2000250" indent="-171450" algn="l" defTabSz="457200" rtl="0" eaLnBrk="1" latinLnBrk="0" hangingPunct="1">
+              <a:spcBef>
+                <a:spcPct val="20000"/>
+              </a:spcBef>
+              <a:spcAft>
+                <a:spcPts val="600"/>
+              </a:spcAft>
+              <a:buClr>
+                <a:schemeClr val="accent1"/>
+              </a:buClr>
+              <a:buSzPct val="115000"/>
+              <a:buFont typeface="Arial"/>
+              <a:buChar char="•"/>
+              <a:defRPr sz="1400" kern="1200" cap="none">
+                <a:solidFill>
+                  <a:schemeClr val="tx1">
+                    <a:lumMod val="85000"/>
+                    <a:lumOff val="15000"/>
+                  </a:schemeClr>
+                </a:solidFill>
+                <a:effectLst/>
+                <a:latin typeface="+mn-lt"/>
+                <a:ea typeface="+mn-ea"/>
+                <a:cs typeface="+mn-cs"/>
+              </a:defRPr>
+            </a:lvl5pPr>
+            <a:lvl6pPr marL="2514600" indent="-228600" algn="l" defTabSz="457200" rtl="0" eaLnBrk="1" latinLnBrk="0" hangingPunct="1">
+              <a:spcBef>
+                <a:spcPct val="20000"/>
+              </a:spcBef>
+              <a:spcAft>
+                <a:spcPts val="600"/>
+              </a:spcAft>
+              <a:buClr>
+                <a:schemeClr val="accent1"/>
+              </a:buClr>
+              <a:buSzPct val="115000"/>
+              <a:buFont typeface="Arial"/>
+              <a:buChar char="•"/>
+              <a:defRPr sz="1400" kern="1200" cap="none">
+                <a:solidFill>
+                  <a:schemeClr val="tx1">
+                    <a:lumMod val="85000"/>
+                    <a:lumOff val="15000"/>
+                  </a:schemeClr>
+                </a:solidFill>
+                <a:effectLst/>
+                <a:latin typeface="+mn-lt"/>
+                <a:ea typeface="+mn-ea"/>
+                <a:cs typeface="+mn-cs"/>
+              </a:defRPr>
+            </a:lvl6pPr>
+            <a:lvl7pPr marL="2971800" indent="-228600" algn="l" defTabSz="457200" rtl="0" eaLnBrk="1" latinLnBrk="0" hangingPunct="1">
+              <a:spcBef>
+                <a:spcPct val="20000"/>
+              </a:spcBef>
+              <a:spcAft>
+                <a:spcPts val="600"/>
+              </a:spcAft>
+              <a:buClr>
+                <a:schemeClr val="accent1"/>
+              </a:buClr>
+              <a:buSzPct val="115000"/>
+              <a:buFont typeface="Arial"/>
+              <a:buChar char="•"/>
+              <a:defRPr sz="1400" kern="1200" cap="none">
+                <a:solidFill>
+                  <a:schemeClr val="tx1">
+                    <a:lumMod val="85000"/>
+                    <a:lumOff val="15000"/>
+                  </a:schemeClr>
+                </a:solidFill>
+                <a:effectLst/>
+                <a:latin typeface="+mn-lt"/>
+                <a:ea typeface="+mn-ea"/>
+                <a:cs typeface="+mn-cs"/>
+              </a:defRPr>
+            </a:lvl7pPr>
+            <a:lvl8pPr marL="3429000" indent="-228600" algn="l" defTabSz="457200" rtl="0" eaLnBrk="1" latinLnBrk="0" hangingPunct="1">
+              <a:spcBef>
+                <a:spcPct val="20000"/>
+              </a:spcBef>
+              <a:spcAft>
+                <a:spcPts val="600"/>
+              </a:spcAft>
+              <a:buClr>
+                <a:schemeClr val="accent1"/>
+              </a:buClr>
+              <a:buSzPct val="115000"/>
+              <a:buFont typeface="Arial"/>
+              <a:buChar char="•"/>
+              <a:defRPr sz="1400" kern="1200" cap="none">
+                <a:solidFill>
+                  <a:schemeClr val="tx1">
+                    <a:lumMod val="85000"/>
+                    <a:lumOff val="15000"/>
+                  </a:schemeClr>
+                </a:solidFill>
+                <a:effectLst/>
+                <a:latin typeface="+mn-lt"/>
+                <a:ea typeface="+mn-ea"/>
+                <a:cs typeface="+mn-cs"/>
+              </a:defRPr>
+            </a:lvl8pPr>
+            <a:lvl9pPr marL="3886200" indent="-228600" algn="l" defTabSz="457200" rtl="0" eaLnBrk="1" latinLnBrk="0" hangingPunct="1">
+              <a:spcBef>
+                <a:spcPct val="20000"/>
+              </a:spcBef>
+              <a:spcAft>
+                <a:spcPts val="600"/>
+              </a:spcAft>
+              <a:buClr>
+                <a:schemeClr val="accent1"/>
+              </a:buClr>
+              <a:buSzPct val="115000"/>
+              <a:buFont typeface="Arial"/>
+              <a:buChar char="•"/>
+              <a:defRPr sz="1400" kern="1200" cap="none">
+                <a:solidFill>
+                  <a:schemeClr val="tx1">
+                    <a:lumMod val="85000"/>
+                    <a:lumOff val="15000"/>
+                  </a:schemeClr>
+                </a:solidFill>
+                <a:effectLst/>
+                <a:latin typeface="+mn-lt"/>
+                <a:ea typeface="+mn-ea"/>
+                <a:cs typeface="+mn-cs"/>
+              </a:defRPr>
+            </a:lvl9pPr>
+          </a:lstStyle>
+          <a:p>
+            <a:r>
+              <a:rPr lang="zh-TW" altLang="en-US" dirty="0"/>
+              <a:t>輸出：</a:t>
+            </a:r>
+            <a:endParaRPr lang="en-US" altLang="zh-TW" dirty="0"/>
+          </a:p>
+          <a:p>
+            <a:pPr lvl="1"/>
+            <a:r>
+              <a:rPr lang="zh-TW" altLang="en-US" dirty="0"/>
+              <a:t>預測落點</a:t>
+            </a:r>
+            <a:endParaRPr lang="en-US" altLang="zh-TW" dirty="0"/>
+          </a:p>
+          <a:p>
+            <a:pPr lvl="1"/>
+            <a:r>
+              <a:rPr lang="zh-TW" altLang="en-US" dirty="0"/>
+              <a:t>平板左移</a:t>
+            </a:r>
+            <a:endParaRPr lang="en-US" altLang="zh-TW" dirty="0"/>
+          </a:p>
+          <a:p>
+            <a:pPr lvl="1"/>
+            <a:r>
+              <a:rPr lang="zh-TW" altLang="en-US" dirty="0"/>
+              <a:t>平板右移</a:t>
+            </a:r>
+            <a:endParaRPr lang="en-US" altLang="zh-TW" dirty="0"/>
+          </a:p>
+          <a:p>
+            <a:pPr lvl="1"/>
+            <a:r>
+              <a:rPr lang="zh-TW" altLang="en-US" dirty="0"/>
+              <a:t>平板靜止</a:t>
+            </a:r>
+          </a:p>
+          <a:p>
+            <a:pPr lvl="1"/>
+            <a:endParaRPr lang="zh-TW" altLang="en-US" dirty="0"/>
           </a:p>
         </p:txBody>
       </p:sp>
     </p:spTree>
     <p:extLst>
       <p:ext uri="{BB962C8B-B14F-4D97-AF65-F5344CB8AC3E}">
-        <p14:creationId xmlns:p14="http://schemas.microsoft.com/office/powerpoint/2010/main" val="1999180761"/>
+        <p14:creationId xmlns:p14="http://schemas.microsoft.com/office/powerpoint/2010/main" val="287027274"/>
       </p:ext>
     </p:extLst>
   </p:cSld>
@@ -6289,7 +6547,15 @@
             </a:r>
             <a:r>
               <a:rPr lang="en-US" altLang="zh-TW" dirty="0"/>
-              <a:t>SVM</a:t>
+              <a:t>Rule</a:t>
+            </a:r>
+            <a:r>
+              <a:rPr lang="zh-TW" altLang="en-US" dirty="0"/>
+              <a:t> </a:t>
+            </a:r>
+            <a:r>
+              <a:rPr lang="en-US" altLang="zh-TW" dirty="0"/>
+              <a:t>Base</a:t>
             </a:r>
             <a:endParaRPr lang="zh-TW" altLang="en-US" dirty="0"/>
           </a:p>
@@ -6316,14 +6582,1050 @@
           <a:bodyPr/>
           <a:lstStyle/>
           <a:p>
+            <a:r>
+              <a:rPr lang="en-US" altLang="zh-TW" dirty="0"/>
+              <a:t>1P</a:t>
+            </a:r>
+            <a:r>
+              <a:rPr lang="zh-TW" altLang="en-US" dirty="0"/>
+              <a:t>、</a:t>
+            </a:r>
+            <a:r>
+              <a:rPr lang="en-US" altLang="zh-TW" dirty="0"/>
+              <a:t>2P</a:t>
+            </a:r>
+            <a:r>
+              <a:rPr lang="zh-TW" altLang="en-US" dirty="0"/>
+              <a:t>：</a:t>
+            </a:r>
+            <a:endParaRPr lang="en-US" altLang="zh-TW" dirty="0"/>
+          </a:p>
+          <a:p>
+            <a:pPr lvl="1"/>
+            <a:r>
+              <a:rPr lang="zh-TW" altLang="en-US" dirty="0"/>
+              <a:t>球上升階段：</a:t>
+            </a:r>
+            <a:endParaRPr lang="en-US" altLang="zh-TW" dirty="0"/>
+          </a:p>
+          <a:p>
+            <a:pPr lvl="2"/>
+            <a:r>
+              <a:rPr lang="zh-TW" altLang="en-US" dirty="0"/>
+              <a:t>預測位置 </a:t>
+            </a:r>
+            <a:r>
+              <a:rPr lang="en-US" altLang="zh-TW" dirty="0"/>
+              <a:t>=</a:t>
+            </a:r>
+            <a:r>
+              <a:rPr lang="zh-TW" altLang="en-US" dirty="0"/>
+              <a:t> 目前球</a:t>
+            </a:r>
+            <a:r>
+              <a:rPr lang="en-US" altLang="zh-TW" dirty="0"/>
+              <a:t>X</a:t>
+            </a:r>
+            <a:r>
+              <a:rPr lang="zh-TW" altLang="en-US" dirty="0"/>
+              <a:t> </a:t>
+            </a:r>
+            <a:r>
+              <a:rPr lang="en-US" altLang="zh-TW" dirty="0"/>
+              <a:t>–</a:t>
+            </a:r>
+            <a:r>
+              <a:rPr lang="zh-TW" altLang="en-US" dirty="0"/>
+              <a:t> </a:t>
+            </a:r>
+            <a:r>
+              <a:rPr lang="en-US" altLang="zh-TW" dirty="0"/>
+              <a:t>((</a:t>
+            </a:r>
+            <a:r>
+              <a:rPr lang="zh-TW" altLang="en-US" dirty="0"/>
+              <a:t>遊戲長度 </a:t>
+            </a:r>
+            <a:r>
+              <a:rPr lang="en-US" altLang="zh-TW" dirty="0"/>
+              <a:t>–</a:t>
+            </a:r>
+            <a:r>
+              <a:rPr lang="zh-TW" altLang="en-US" dirty="0"/>
+              <a:t> 目前球</a:t>
+            </a:r>
+            <a:r>
+              <a:rPr lang="en-US" altLang="zh-TW" dirty="0"/>
+              <a:t>Y)/Y</a:t>
+            </a:r>
+            <a:r>
+              <a:rPr lang="zh-TW" altLang="en-US" dirty="0"/>
+              <a:t>斜率</a:t>
+            </a:r>
+            <a:r>
+              <a:rPr lang="en-US" altLang="zh-TW" dirty="0"/>
+              <a:t>)</a:t>
+            </a:r>
+            <a:r>
+              <a:rPr lang="zh-TW" altLang="en-US" dirty="0"/>
+              <a:t>*</a:t>
+            </a:r>
+            <a:r>
+              <a:rPr lang="en-US" altLang="zh-TW" dirty="0"/>
+              <a:t>X</a:t>
+            </a:r>
+            <a:r>
+              <a:rPr lang="zh-TW" altLang="en-US" dirty="0"/>
+              <a:t>斜率</a:t>
+            </a:r>
+            <a:endParaRPr lang="en-US" altLang="zh-TW" dirty="0"/>
+          </a:p>
+          <a:p>
+            <a:pPr lvl="2"/>
+            <a:r>
+              <a:rPr lang="zh-TW" altLang="en-US" dirty="0"/>
+              <a:t>若預測位置大於遊戲半長</a:t>
+            </a:r>
+            <a:endParaRPr lang="en-US" altLang="zh-TW" dirty="0"/>
+          </a:p>
+          <a:p>
+            <a:pPr lvl="3"/>
+            <a:r>
+              <a:rPr lang="zh-TW" altLang="en-US" sz="1800" dirty="0"/>
+              <a:t>預測位置 </a:t>
+            </a:r>
+            <a:r>
+              <a:rPr lang="en-US" altLang="zh-TW" sz="1800" dirty="0"/>
+              <a:t>=</a:t>
+            </a:r>
+            <a:r>
+              <a:rPr lang="zh-TW" altLang="en-US" sz="1800" dirty="0"/>
+              <a:t> 預測位置 </a:t>
+            </a:r>
+            <a:r>
+              <a:rPr lang="en-US" altLang="zh-TW" sz="1800" dirty="0"/>
+              <a:t>–</a:t>
+            </a:r>
+            <a:r>
+              <a:rPr lang="zh-TW" altLang="en-US" sz="1800" dirty="0"/>
+              <a:t> 遊戲半長</a:t>
+            </a:r>
             <a:endParaRPr lang="en-US" altLang="zh-TW" sz="1800" dirty="0"/>
           </a:p>
-        </p:txBody>
-      </p:sp>
+          <a:p>
+            <a:pPr lvl="2"/>
+            <a:r>
+              <a:rPr lang="zh-TW" altLang="en-US" dirty="0"/>
+              <a:t>若小於</a:t>
+            </a:r>
+            <a:r>
+              <a:rPr lang="en-US" altLang="zh-TW" dirty="0"/>
+              <a:t>0</a:t>
+            </a:r>
+          </a:p>
+          <a:p>
+            <a:pPr lvl="3"/>
+            <a:r>
+              <a:rPr lang="zh-TW" altLang="en-US" sz="1800" dirty="0"/>
+              <a:t>預測位置做絕對值</a:t>
+            </a:r>
+            <a:endParaRPr lang="en-US" altLang="zh-TW" sz="1800" dirty="0"/>
+          </a:p>
+        </p:txBody>
+      </p:sp>
+    </p:spTree>
+    <p:extLst>
+      <p:ext uri="{BB962C8B-B14F-4D97-AF65-F5344CB8AC3E}">
+        <p14:creationId xmlns:p14="http://schemas.microsoft.com/office/powerpoint/2010/main" val="1999180761"/>
+      </p:ext>
+    </p:extLst>
+  </p:cSld>
+  <p:clrMapOvr>
+    <a:masterClrMapping/>
+  </p:clrMapOvr>
+</p:sld>
+</file>
+
+<file path=ppt/slides/slide12.xml><?xml version="1.0" encoding="utf-8"?>
+<p:sld xmlns:a="http://schemas.openxmlformats.org/drawingml/2006/main" xmlns:r="http://schemas.openxmlformats.org/officeDocument/2006/relationships" xmlns:p="http://schemas.openxmlformats.org/presentationml/2006/main">
+  <p:cSld>
+    <p:spTree>
+      <p:nvGrpSpPr>
+        <p:cNvPr id="1" name=""/>
+        <p:cNvGrpSpPr/>
+        <p:nvPr/>
+      </p:nvGrpSpPr>
+      <p:grpSpPr>
+        <a:xfrm>
+          <a:off x="0" y="0"/>
+          <a:ext cx="0" cy="0"/>
+          <a:chOff x="0" y="0"/>
+          <a:chExt cx="0" cy="0"/>
+        </a:xfrm>
+      </p:grpSpPr>
+      <p:sp>
+        <p:nvSpPr>
+          <p:cNvPr id="2" name="標題 1">
+            <a:extLst>
+              <a:ext uri="{FF2B5EF4-FFF2-40B4-BE49-F238E27FC236}">
+                <a16:creationId xmlns:a16="http://schemas.microsoft.com/office/drawing/2014/main" id="{9F94AEA4-7803-49CC-84CF-5DF36E92463E}"/>
+              </a:ext>
+            </a:extLst>
+          </p:cNvPr>
+          <p:cNvSpPr>
+            <a:spLocks noGrp="1"/>
+          </p:cNvSpPr>
+          <p:nvPr>
+            <p:ph type="title"/>
+          </p:nvPr>
+        </p:nvSpPr>
+        <p:spPr/>
+        <p:txBody>
+          <a:bodyPr/>
+          <a:lstStyle/>
+          <a:p>
+            <a:r>
+              <a:rPr lang="zh-TW" altLang="en-US" dirty="0"/>
+              <a:t>設計 </a:t>
+            </a:r>
+            <a:r>
+              <a:rPr lang="en-US" altLang="zh-TW" dirty="0"/>
+              <a:t>–</a:t>
+            </a:r>
+            <a:r>
+              <a:rPr lang="zh-TW" altLang="en-US" dirty="0"/>
+              <a:t> </a:t>
+            </a:r>
+            <a:r>
+              <a:rPr lang="en-US" altLang="zh-TW" dirty="0"/>
+              <a:t>SVM</a:t>
+            </a:r>
+            <a:endParaRPr lang="zh-TW" altLang="en-US" dirty="0"/>
+          </a:p>
+        </p:txBody>
+      </p:sp>
+      <mc:AlternateContent xmlns:mc="http://schemas.openxmlformats.org/markup-compatibility/2006">
+        <mc:Choice xmlns:a14="http://schemas.microsoft.com/office/drawing/2010/main" Requires="a14">
+          <p:sp>
+            <p:nvSpPr>
+              <p:cNvPr id="8" name="內容版面配置區 7">
+                <a:extLst>
+                  <a:ext uri="{FF2B5EF4-FFF2-40B4-BE49-F238E27FC236}">
+                    <a16:creationId xmlns:a16="http://schemas.microsoft.com/office/drawing/2014/main" id="{2089A417-7629-47ED-A9BE-E243C07944D9}"/>
+                  </a:ext>
+                </a:extLst>
+              </p:cNvPr>
+              <p:cNvSpPr>
+                <a:spLocks noGrp="1"/>
+              </p:cNvSpPr>
+              <p:nvPr>
+                <p:ph idx="1"/>
+              </p:nvPr>
+            </p:nvSpPr>
+            <p:spPr/>
+            <p:txBody>
+              <a:bodyPr/>
+              <a:lstStyle/>
+              <a:p>
+                <a:r>
+                  <a:rPr lang="zh-TW" altLang="en-US" sz="1800" dirty="0"/>
+                  <a:t>輸入向量</a:t>
+                </a:r>
+                <a:r>
+                  <a:rPr lang="en-US" altLang="zh-TW" sz="1800" dirty="0"/>
+                  <a:t>x</a:t>
+                </a:r>
+                <a:r>
+                  <a:rPr lang="zh-TW" altLang="en-US" sz="1800" dirty="0"/>
+                  <a:t>可以決定估計向量</a:t>
+                </a:r>
+                <a:r>
+                  <a:rPr lang="en-US" altLang="zh-TW" sz="1800" dirty="0"/>
+                  <a:t>y(x)</a:t>
+                </a:r>
+              </a:p>
+              <a:p>
+                <a:endParaRPr lang="en-US" altLang="zh-TW" sz="1800" dirty="0"/>
+              </a:p>
+              <a:p>
+                <a:endParaRPr lang="en-US" altLang="zh-TW" sz="1800" dirty="0"/>
+              </a:p>
+              <a:p>
+                <a:r>
+                  <a:rPr lang="zh-TW" altLang="en-US" sz="1800" dirty="0"/>
+                  <a:t>如果</a:t>
+                </a:r>
+                <a:r>
+                  <a:rPr lang="en-US" altLang="zh-TW" sz="1800" dirty="0"/>
+                  <a:t>y(x)</a:t>
+                </a:r>
+                <a:r>
+                  <a:rPr lang="zh-TW" altLang="en-US" sz="1800" dirty="0"/>
+                  <a:t> </a:t>
+                </a:r>
+                <a:r>
+                  <a:rPr lang="en-US" altLang="zh-TW" sz="1800" dirty="0"/>
+                  <a:t>&gt;</a:t>
+                </a:r>
+                <a:r>
+                  <a:rPr lang="zh-TW" altLang="en-US" sz="1800" dirty="0"/>
+                  <a:t> </a:t>
+                </a:r>
+                <a:r>
+                  <a:rPr lang="en-US" altLang="zh-TW" sz="1800" dirty="0"/>
+                  <a:t>0</a:t>
+                </a:r>
+                <a:r>
+                  <a:rPr lang="zh-TW" altLang="en-US" sz="1800" dirty="0"/>
+                  <a:t>則表示分類為</a:t>
+                </a:r>
+                <a:r>
+                  <a:rPr lang="en-US" altLang="zh-TW" sz="1800" dirty="0"/>
+                  <a:t>+1</a:t>
+                </a:r>
+                <a:r>
+                  <a:rPr lang="zh-TW" altLang="en-US" sz="1800" dirty="0"/>
+                  <a:t>，反之</a:t>
+                </a:r>
+                <a:r>
+                  <a:rPr lang="en-US" altLang="zh-TW" sz="1800" dirty="0"/>
+                  <a:t>y(x)</a:t>
+                </a:r>
+                <a:r>
+                  <a:rPr lang="zh-TW" altLang="en-US" sz="1800" dirty="0"/>
+                  <a:t> </a:t>
+                </a:r>
+                <a:r>
+                  <a:rPr lang="en-US" altLang="zh-TW" sz="1800" dirty="0"/>
+                  <a:t>&lt;</a:t>
+                </a:r>
+                <a:r>
+                  <a:rPr lang="zh-TW" altLang="en-US" sz="1800" dirty="0"/>
+                  <a:t> </a:t>
+                </a:r>
+                <a:r>
+                  <a:rPr lang="en-US" altLang="zh-TW" sz="1800" dirty="0"/>
+                  <a:t>0</a:t>
+                </a:r>
+                <a:r>
+                  <a:rPr lang="zh-TW" altLang="en-US" sz="1800" dirty="0"/>
+                  <a:t>分類為</a:t>
+                </a:r>
+                <a:r>
+                  <a:rPr lang="en-US" altLang="zh-TW" sz="1800" dirty="0"/>
+                  <a:t>-1</a:t>
+                </a:r>
+              </a:p>
+              <a:p>
+                <a14:m>
+                  <m:oMath xmlns:m="http://schemas.openxmlformats.org/officeDocument/2006/math">
+                    <m:r>
+                      <a:rPr lang="en-US" altLang="zh-TW" sz="1800" i="1" smtClean="0">
+                        <a:latin typeface="Cambria Math" panose="02040503050406030204" pitchFamily="18" charset="0"/>
+                        <a:ea typeface="Cambria Math" panose="02040503050406030204" pitchFamily="18" charset="0"/>
+                      </a:rPr>
+                      <m:t>∅</m:t>
+                    </m:r>
+                    <m:r>
+                      <a:rPr lang="en-US" altLang="zh-TW" sz="1800" b="0" i="1" smtClean="0">
+                        <a:latin typeface="Cambria Math" panose="02040503050406030204" pitchFamily="18" charset="0"/>
+                        <a:ea typeface="Cambria Math" panose="02040503050406030204" pitchFamily="18" charset="0"/>
+                      </a:rPr>
+                      <m:t>𝑥</m:t>
+                    </m:r>
+                  </m:oMath>
+                </a14:m>
+                <a:r>
+                  <a:rPr lang="zh-TW" altLang="en-US" sz="1800" dirty="0"/>
+                  <a:t>為特徵空間轉換，可以將</a:t>
+                </a:r>
+                <a:r>
+                  <a:rPr lang="en-US" altLang="zh-TW" sz="1800" dirty="0"/>
+                  <a:t>x</a:t>
+                </a:r>
+                <a:r>
+                  <a:rPr lang="zh-TW" altLang="en-US" sz="1800" dirty="0"/>
+                  <a:t>映射到更高維度等</a:t>
+                </a:r>
+                <a:endParaRPr lang="en-US" altLang="zh-TW" sz="1800" dirty="0"/>
+              </a:p>
+            </p:txBody>
+          </p:sp>
+        </mc:Choice>
+        <mc:Fallback>
+          <p:sp>
+            <p:nvSpPr>
+              <p:cNvPr id="8" name="內容版面配置區 7">
+                <a:extLst>
+                  <a:ext uri="{FF2B5EF4-FFF2-40B4-BE49-F238E27FC236}">
+                    <a16:creationId xmlns:a16="http://schemas.microsoft.com/office/drawing/2014/main" id="{2089A417-7629-47ED-A9BE-E243C07944D9}"/>
+                  </a:ext>
+                </a:extLst>
+              </p:cNvPr>
+              <p:cNvSpPr>
+                <a:spLocks noGrp="1" noRot="1" noChangeAspect="1" noMove="1" noResize="1" noEditPoints="1" noAdjustHandles="1" noChangeArrowheads="1" noChangeShapeType="1" noTextEdit="1"/>
+              </p:cNvSpPr>
+              <p:nvPr>
+                <p:ph idx="1"/>
+              </p:nvPr>
+            </p:nvSpPr>
+            <p:spPr>
+              <a:blipFill>
+                <a:blip r:embed="rId2"/>
+                <a:stretch>
+                  <a:fillRect l="-635" t="-1651"/>
+                </a:stretch>
+              </a:blipFill>
+            </p:spPr>
+            <p:txBody>
+              <a:bodyPr/>
+              <a:lstStyle/>
+              <a:p>
+                <a:r>
+                  <a:rPr lang="zh-TW" altLang="en-US">
+                    <a:noFill/>
+                  </a:rPr>
+                  <a:t> </a:t>
+                </a:r>
+              </a:p>
+            </p:txBody>
+          </p:sp>
+        </mc:Fallback>
+      </mc:AlternateContent>
+      <p:pic>
+        <p:nvPicPr>
+          <p:cNvPr id="3" name="圖片 2">
+            <a:extLst>
+              <a:ext uri="{FF2B5EF4-FFF2-40B4-BE49-F238E27FC236}">
+                <a16:creationId xmlns:a16="http://schemas.microsoft.com/office/drawing/2014/main" id="{BDD82E30-EA1D-4E31-9644-6E3006B471D7}"/>
+              </a:ext>
+            </a:extLst>
+          </p:cNvPr>
+          <p:cNvPicPr>
+            <a:picLocks noChangeAspect="1"/>
+          </p:cNvPicPr>
+          <p:nvPr/>
+        </p:nvPicPr>
+        <p:blipFill>
+          <a:blip r:embed="rId3"/>
+          <a:stretch>
+            <a:fillRect/>
+          </a:stretch>
+        </p:blipFill>
+        <p:spPr>
+          <a:xfrm>
+            <a:off x="2997323" y="3028303"/>
+            <a:ext cx="3373429" cy="584909"/>
+          </a:xfrm>
+          <a:prstGeom prst="rect">
+            <a:avLst/>
+          </a:prstGeom>
+        </p:spPr>
+      </p:pic>
     </p:spTree>
     <p:extLst>
       <p:ext uri="{BB962C8B-B14F-4D97-AF65-F5344CB8AC3E}">
         <p14:creationId xmlns:p14="http://schemas.microsoft.com/office/powerpoint/2010/main" val="479900344"/>
+      </p:ext>
+    </p:extLst>
+  </p:cSld>
+  <p:clrMapOvr>
+    <a:masterClrMapping/>
+  </p:clrMapOvr>
+</p:sld>
+</file>
+
+<file path=ppt/slides/slide13.xml><?xml version="1.0" encoding="utf-8"?>
+<p:sld xmlns:a="http://schemas.openxmlformats.org/drawingml/2006/main" xmlns:r="http://schemas.openxmlformats.org/officeDocument/2006/relationships" xmlns:p="http://schemas.openxmlformats.org/presentationml/2006/main">
+  <p:cSld>
+    <p:spTree>
+      <p:nvGrpSpPr>
+        <p:cNvPr id="1" name=""/>
+        <p:cNvGrpSpPr/>
+        <p:nvPr/>
+      </p:nvGrpSpPr>
+      <p:grpSpPr>
+        <a:xfrm>
+          <a:off x="0" y="0"/>
+          <a:ext cx="0" cy="0"/>
+          <a:chOff x="0" y="0"/>
+          <a:chExt cx="0" cy="0"/>
+        </a:xfrm>
+      </p:grpSpPr>
+      <p:sp>
+        <p:nvSpPr>
+          <p:cNvPr id="2" name="標題 1">
+            <a:extLst>
+              <a:ext uri="{FF2B5EF4-FFF2-40B4-BE49-F238E27FC236}">
+                <a16:creationId xmlns:a16="http://schemas.microsoft.com/office/drawing/2014/main" id="{9F94AEA4-7803-49CC-84CF-5DF36E92463E}"/>
+              </a:ext>
+            </a:extLst>
+          </p:cNvPr>
+          <p:cNvSpPr>
+            <a:spLocks noGrp="1"/>
+          </p:cNvSpPr>
+          <p:nvPr>
+            <p:ph type="title"/>
+          </p:nvPr>
+        </p:nvSpPr>
+        <p:spPr/>
+        <p:txBody>
+          <a:bodyPr/>
+          <a:lstStyle/>
+          <a:p>
+            <a:r>
+              <a:rPr lang="zh-TW" altLang="en-US" dirty="0"/>
+              <a:t>設計 </a:t>
+            </a:r>
+            <a:r>
+              <a:rPr lang="en-US" altLang="zh-TW" dirty="0"/>
+              <a:t>–</a:t>
+            </a:r>
+            <a:r>
+              <a:rPr lang="zh-TW" altLang="en-US" dirty="0"/>
+              <a:t> </a:t>
+            </a:r>
+            <a:r>
+              <a:rPr lang="en-US" altLang="zh-TW" dirty="0"/>
+              <a:t>SVM</a:t>
+            </a:r>
+            <a:endParaRPr lang="zh-TW" altLang="en-US" dirty="0"/>
+          </a:p>
+        </p:txBody>
+      </p:sp>
+      <p:sp>
+        <p:nvSpPr>
+          <p:cNvPr id="8" name="內容版面配置區 7">
+            <a:extLst>
+              <a:ext uri="{FF2B5EF4-FFF2-40B4-BE49-F238E27FC236}">
+                <a16:creationId xmlns:a16="http://schemas.microsoft.com/office/drawing/2014/main" id="{2089A417-7629-47ED-A9BE-E243C07944D9}"/>
+              </a:ext>
+            </a:extLst>
+          </p:cNvPr>
+          <p:cNvSpPr>
+            <a:spLocks noGrp="1"/>
+          </p:cNvSpPr>
+          <p:nvPr>
+            <p:ph idx="1"/>
+          </p:nvPr>
+        </p:nvSpPr>
+        <p:spPr/>
+        <p:txBody>
+          <a:bodyPr>
+            <a:normAutofit/>
+          </a:bodyPr>
+          <a:lstStyle/>
+          <a:p>
+            <a:r>
+              <a:rPr lang="zh-TW" altLang="en-US" dirty="0"/>
+              <a:t>使用步驟：</a:t>
+            </a:r>
+            <a:endParaRPr lang="en-US" altLang="zh-TW" dirty="0"/>
+          </a:p>
+          <a:p>
+            <a:pPr lvl="1"/>
+            <a:r>
+              <a:rPr lang="en-US" altLang="zh-TW" sz="1800" dirty="0"/>
+              <a:t>Maximum margin</a:t>
+            </a:r>
+          </a:p>
+          <a:p>
+            <a:pPr lvl="1"/>
+            <a:r>
+              <a:rPr lang="en-US" altLang="zh-TW" sz="1800" dirty="0"/>
+              <a:t>Dual representation</a:t>
+            </a:r>
+          </a:p>
+          <a:p>
+            <a:pPr lvl="1"/>
+            <a:r>
+              <a:rPr lang="en-US" altLang="zh-TW" sz="1800" dirty="0"/>
+              <a:t>QP solver</a:t>
+            </a:r>
+          </a:p>
+          <a:p>
+            <a:pPr lvl="1"/>
+            <a:r>
+              <a:rPr lang="en-US" altLang="zh-TW" sz="1800" dirty="0"/>
+              <a:t>Soft margin</a:t>
+            </a:r>
+            <a:br>
+              <a:rPr lang="en-US" altLang="zh-TW" sz="1800" dirty="0"/>
+            </a:br>
+            <a:br>
+              <a:rPr lang="en-US" altLang="zh-TW" sz="1800" dirty="0"/>
+            </a:br>
+            <a:br>
+              <a:rPr lang="en-US" altLang="zh-TW" sz="1800" dirty="0"/>
+            </a:br>
+            <a:br>
+              <a:rPr lang="en-US" altLang="zh-TW" sz="1800" dirty="0"/>
+            </a:br>
+            <a:endParaRPr lang="en-US" altLang="zh-TW" sz="1800" dirty="0"/>
+          </a:p>
+        </p:txBody>
+      </p:sp>
+    </p:spTree>
+    <p:extLst>
+      <p:ext uri="{BB962C8B-B14F-4D97-AF65-F5344CB8AC3E}">
+        <p14:creationId xmlns:p14="http://schemas.microsoft.com/office/powerpoint/2010/main" val="2693828208"/>
+      </p:ext>
+    </p:extLst>
+  </p:cSld>
+  <p:clrMapOvr>
+    <a:masterClrMapping/>
+  </p:clrMapOvr>
+</p:sld>
+</file>
+
+<file path=ppt/slides/slide14.xml><?xml version="1.0" encoding="utf-8"?>
+<p:sld xmlns:a="http://schemas.openxmlformats.org/drawingml/2006/main" xmlns:r="http://schemas.openxmlformats.org/officeDocument/2006/relationships" xmlns:p="http://schemas.openxmlformats.org/presentationml/2006/main">
+  <p:cSld>
+    <p:spTree>
+      <p:nvGrpSpPr>
+        <p:cNvPr id="1" name=""/>
+        <p:cNvGrpSpPr/>
+        <p:nvPr/>
+      </p:nvGrpSpPr>
+      <p:grpSpPr>
+        <a:xfrm>
+          <a:off x="0" y="0"/>
+          <a:ext cx="0" cy="0"/>
+          <a:chOff x="0" y="0"/>
+          <a:chExt cx="0" cy="0"/>
+        </a:xfrm>
+      </p:grpSpPr>
+      <p:sp>
+        <p:nvSpPr>
+          <p:cNvPr id="2" name="標題 1">
+            <a:extLst>
+              <a:ext uri="{FF2B5EF4-FFF2-40B4-BE49-F238E27FC236}">
+                <a16:creationId xmlns:a16="http://schemas.microsoft.com/office/drawing/2014/main" id="{90ECA4C9-EDB5-440F-B413-801F1FC7C69B}"/>
+              </a:ext>
+            </a:extLst>
+          </p:cNvPr>
+          <p:cNvSpPr>
+            <a:spLocks noGrp="1"/>
+          </p:cNvSpPr>
+          <p:nvPr>
+            <p:ph type="title"/>
+          </p:nvPr>
+        </p:nvSpPr>
+        <p:spPr/>
+        <p:txBody>
+          <a:bodyPr/>
+          <a:lstStyle/>
+          <a:p>
+            <a:r>
+              <a:rPr lang="zh-TW" altLang="en-US" dirty="0"/>
+              <a:t>檢討</a:t>
+            </a:r>
+          </a:p>
+        </p:txBody>
+      </p:sp>
+      <p:sp>
+        <p:nvSpPr>
+          <p:cNvPr id="3" name="內容版面配置區 2">
+            <a:extLst>
+              <a:ext uri="{FF2B5EF4-FFF2-40B4-BE49-F238E27FC236}">
+                <a16:creationId xmlns:a16="http://schemas.microsoft.com/office/drawing/2014/main" id="{EF1DD672-BA88-4EBE-B1E9-CA6AE3583AF1}"/>
+              </a:ext>
+            </a:extLst>
+          </p:cNvPr>
+          <p:cNvSpPr>
+            <a:spLocks noGrp="1"/>
+          </p:cNvSpPr>
+          <p:nvPr>
+            <p:ph idx="1"/>
+          </p:nvPr>
+        </p:nvSpPr>
+        <p:spPr/>
+        <p:txBody>
+          <a:bodyPr/>
+          <a:lstStyle/>
+          <a:p>
+            <a:r>
+              <a:rPr lang="zh-TW" altLang="en-US" dirty="0"/>
+              <a:t>自製</a:t>
+            </a:r>
+            <a:r>
+              <a:rPr lang="en-US" altLang="zh-TW" dirty="0"/>
+              <a:t>SVM</a:t>
+            </a:r>
+            <a:r>
+              <a:rPr lang="zh-TW" altLang="en-US" dirty="0"/>
+              <a:t>問題：</a:t>
+            </a:r>
+            <a:endParaRPr lang="en-US" altLang="zh-TW" dirty="0"/>
+          </a:p>
+          <a:p>
+            <a:pPr lvl="1"/>
+            <a:r>
+              <a:rPr lang="zh-TW" altLang="en-US" dirty="0"/>
+              <a:t>為</a:t>
+            </a:r>
+            <a:r>
+              <a:rPr lang="en-US" altLang="zh-TW" dirty="0"/>
+              <a:t>2</a:t>
+            </a:r>
+            <a:r>
+              <a:rPr lang="zh-TW" altLang="en-US" dirty="0"/>
+              <a:t>維的訓練框架，無法有效訓練自己的參數</a:t>
+            </a:r>
+            <a:endParaRPr lang="en-US" altLang="zh-TW" dirty="0"/>
+          </a:p>
+          <a:p>
+            <a:pPr lvl="1"/>
+            <a:r>
+              <a:rPr lang="zh-TW" altLang="en-US" dirty="0"/>
+              <a:t>分類僅分為</a:t>
+            </a:r>
+            <a:r>
+              <a:rPr lang="en-US" altLang="zh-TW" dirty="0"/>
+              <a:t>1</a:t>
+            </a:r>
+            <a:r>
+              <a:rPr lang="zh-TW" altLang="en-US" dirty="0"/>
+              <a:t>或</a:t>
+            </a:r>
+            <a:r>
+              <a:rPr lang="en-US" altLang="zh-TW" dirty="0"/>
+              <a:t>-1</a:t>
+            </a:r>
+            <a:r>
+              <a:rPr lang="zh-TW" altLang="en-US" dirty="0"/>
+              <a:t>，當時訓練出來的結果都是向左或向右</a:t>
+            </a:r>
+            <a:endParaRPr lang="en-US" altLang="zh-TW" dirty="0"/>
+          </a:p>
+          <a:p>
+            <a:pPr marL="285750" lvl="1"/>
+            <a:r>
+              <a:rPr lang="zh-TW" altLang="en-US" sz="2400" dirty="0"/>
+              <a:t>第一次比賽使用</a:t>
+            </a:r>
+            <a:r>
+              <a:rPr lang="en-US" altLang="zh-TW" sz="2400" dirty="0"/>
+              <a:t>API</a:t>
+            </a:r>
+            <a:r>
+              <a:rPr lang="zh-TW" altLang="en-US" sz="2400" dirty="0"/>
+              <a:t> </a:t>
+            </a:r>
+            <a:r>
+              <a:rPr lang="en-US" altLang="zh-TW" sz="2400" dirty="0"/>
+              <a:t>SVM</a:t>
+            </a:r>
+            <a:r>
+              <a:rPr lang="zh-TW" altLang="en-US" sz="2400" dirty="0"/>
+              <a:t>問題：</a:t>
+            </a:r>
+            <a:endParaRPr lang="en-US" altLang="zh-TW" sz="2400" dirty="0"/>
+          </a:p>
+          <a:p>
+            <a:pPr marL="742950" lvl="2"/>
+            <a:r>
+              <a:rPr lang="zh-TW" altLang="en-US" sz="2000" dirty="0"/>
+              <a:t>僅有訓練初始發球的位置，並未將發球設定為隨機</a:t>
+            </a:r>
+            <a:endParaRPr lang="en-US" altLang="zh-TW" sz="2000" dirty="0"/>
+          </a:p>
+          <a:p>
+            <a:pPr marL="742950" lvl="2"/>
+            <a:r>
+              <a:rPr lang="zh-TW" altLang="en-US" sz="2000" dirty="0"/>
+              <a:t>訓練樣本不足</a:t>
+            </a:r>
+            <a:endParaRPr lang="en-US" altLang="zh-TW" sz="2000" dirty="0"/>
+          </a:p>
+          <a:p>
+            <a:pPr lvl="1"/>
+            <a:endParaRPr lang="zh-TW" altLang="en-US" dirty="0"/>
+          </a:p>
+        </p:txBody>
+      </p:sp>
+    </p:spTree>
+    <p:extLst>
+      <p:ext uri="{BB962C8B-B14F-4D97-AF65-F5344CB8AC3E}">
+        <p14:creationId xmlns:p14="http://schemas.microsoft.com/office/powerpoint/2010/main" val="1695096697"/>
+      </p:ext>
+    </p:extLst>
+  </p:cSld>
+  <p:clrMapOvr>
+    <a:masterClrMapping/>
+  </p:clrMapOvr>
+</p:sld>
+</file>
+
+<file path=ppt/slides/slide15.xml><?xml version="1.0" encoding="utf-8"?>
+<p:sld xmlns:a="http://schemas.openxmlformats.org/drawingml/2006/main" xmlns:r="http://schemas.openxmlformats.org/officeDocument/2006/relationships" xmlns:p="http://schemas.openxmlformats.org/presentationml/2006/main">
+  <p:cSld>
+    <p:spTree>
+      <p:nvGrpSpPr>
+        <p:cNvPr id="1" name=""/>
+        <p:cNvGrpSpPr/>
+        <p:nvPr/>
+      </p:nvGrpSpPr>
+      <p:grpSpPr>
+        <a:xfrm>
+          <a:off x="0" y="0"/>
+          <a:ext cx="0" cy="0"/>
+          <a:chOff x="0" y="0"/>
+          <a:chExt cx="0" cy="0"/>
+        </a:xfrm>
+      </p:grpSpPr>
+      <p:sp>
+        <p:nvSpPr>
+          <p:cNvPr id="2" name="標題 1">
+            <a:extLst>
+              <a:ext uri="{FF2B5EF4-FFF2-40B4-BE49-F238E27FC236}">
+                <a16:creationId xmlns:a16="http://schemas.microsoft.com/office/drawing/2014/main" id="{90ECA4C9-EDB5-440F-B413-801F1FC7C69B}"/>
+              </a:ext>
+            </a:extLst>
+          </p:cNvPr>
+          <p:cNvSpPr>
+            <a:spLocks noGrp="1"/>
+          </p:cNvSpPr>
+          <p:nvPr>
+            <p:ph type="title"/>
+          </p:nvPr>
+        </p:nvSpPr>
+        <p:spPr/>
+        <p:txBody>
+          <a:bodyPr/>
+          <a:lstStyle/>
+          <a:p>
+            <a:r>
+              <a:rPr lang="zh-TW" altLang="en-US" dirty="0"/>
+              <a:t>改進</a:t>
+            </a:r>
+          </a:p>
+        </p:txBody>
+      </p:sp>
+      <p:sp>
+        <p:nvSpPr>
+          <p:cNvPr id="3" name="內容版面配置區 2">
+            <a:extLst>
+              <a:ext uri="{FF2B5EF4-FFF2-40B4-BE49-F238E27FC236}">
+                <a16:creationId xmlns:a16="http://schemas.microsoft.com/office/drawing/2014/main" id="{EF1DD672-BA88-4EBE-B1E9-CA6AE3583AF1}"/>
+              </a:ext>
+            </a:extLst>
+          </p:cNvPr>
+          <p:cNvSpPr>
+            <a:spLocks noGrp="1"/>
+          </p:cNvSpPr>
+          <p:nvPr>
+            <p:ph idx="1"/>
+          </p:nvPr>
+        </p:nvSpPr>
+        <p:spPr/>
+        <p:txBody>
+          <a:bodyPr/>
+          <a:lstStyle/>
+          <a:p>
+            <a:r>
+              <a:rPr lang="zh-TW" altLang="en-US" dirty="0"/>
+              <a:t>自製</a:t>
+            </a:r>
+            <a:r>
+              <a:rPr lang="en-US" altLang="zh-TW" dirty="0"/>
+              <a:t>SVM</a:t>
+            </a:r>
+            <a:r>
+              <a:rPr lang="zh-TW" altLang="en-US" dirty="0"/>
+              <a:t>：</a:t>
+            </a:r>
+            <a:endParaRPr lang="en-US" altLang="zh-TW" dirty="0"/>
+          </a:p>
+          <a:p>
+            <a:pPr lvl="1"/>
+            <a:r>
+              <a:rPr lang="zh-TW" altLang="en-US" dirty="0"/>
+              <a:t>從</a:t>
+            </a:r>
+            <a:r>
+              <a:rPr lang="en-US" altLang="zh-TW" dirty="0"/>
+              <a:t>2</a:t>
+            </a:r>
+            <a:r>
+              <a:rPr lang="zh-TW" altLang="en-US" dirty="0"/>
+              <a:t>維改成自己對應的維度</a:t>
+            </a:r>
+            <a:endParaRPr lang="en-US" altLang="zh-TW" dirty="0"/>
+          </a:p>
+          <a:p>
+            <a:pPr lvl="1"/>
+            <a:r>
+              <a:rPr lang="zh-TW" altLang="en-US" dirty="0"/>
+              <a:t>將原本分類變成與自己對應的分類，</a:t>
+            </a:r>
+            <a:r>
+              <a:rPr lang="en-US" altLang="zh-TW" dirty="0"/>
+              <a:t>-1</a:t>
+            </a:r>
+            <a:r>
+              <a:rPr lang="zh-TW" altLang="en-US" dirty="0"/>
+              <a:t>、</a:t>
+            </a:r>
+            <a:r>
+              <a:rPr lang="en-US" altLang="zh-TW" dirty="0"/>
+              <a:t>0</a:t>
+            </a:r>
+            <a:r>
+              <a:rPr lang="zh-TW" altLang="en-US" dirty="0"/>
+              <a:t>、</a:t>
+            </a:r>
+            <a:r>
+              <a:rPr lang="en-US" altLang="zh-TW" dirty="0"/>
+              <a:t>1</a:t>
+            </a:r>
+          </a:p>
+          <a:p>
+            <a:pPr marL="285750" lvl="1"/>
+            <a:r>
+              <a:rPr lang="zh-TW" altLang="en-US" sz="2400" dirty="0"/>
+              <a:t>第一次比賽使用</a:t>
+            </a:r>
+            <a:r>
+              <a:rPr lang="en-US" altLang="zh-TW" sz="2400" dirty="0"/>
+              <a:t>API</a:t>
+            </a:r>
+            <a:r>
+              <a:rPr lang="zh-TW" altLang="en-US" sz="2400" dirty="0"/>
+              <a:t> </a:t>
+            </a:r>
+            <a:r>
+              <a:rPr lang="en-US" altLang="zh-TW" sz="2400" dirty="0"/>
+              <a:t>SVM</a:t>
+            </a:r>
+            <a:r>
+              <a:rPr lang="zh-TW" altLang="en-US" sz="2400" dirty="0"/>
+              <a:t>：</a:t>
+            </a:r>
+            <a:endParaRPr lang="en-US" altLang="zh-TW" sz="2400" dirty="0"/>
+          </a:p>
+          <a:p>
+            <a:pPr marL="742950" lvl="2"/>
+            <a:r>
+              <a:rPr lang="zh-TW" altLang="en-US" sz="2000" dirty="0"/>
+              <a:t>訓練時，發球的位置更改為隨機</a:t>
+            </a:r>
+            <a:endParaRPr lang="en-US" altLang="zh-TW" sz="2000" dirty="0"/>
+          </a:p>
+          <a:p>
+            <a:pPr marL="742950" lvl="2"/>
+            <a:r>
+              <a:rPr lang="zh-TW" altLang="en-US" dirty="0"/>
+              <a:t>提高訓練樣本與提供較為正確的樣本</a:t>
+            </a:r>
+          </a:p>
+        </p:txBody>
+      </p:sp>
+    </p:spTree>
+    <p:extLst>
+      <p:ext uri="{BB962C8B-B14F-4D97-AF65-F5344CB8AC3E}">
+        <p14:creationId xmlns:p14="http://schemas.microsoft.com/office/powerpoint/2010/main" val="2102001952"/>
+      </p:ext>
+    </p:extLst>
+  </p:cSld>
+  <p:clrMapOvr>
+    <a:masterClrMapping/>
+  </p:clrMapOvr>
+</p:sld>
+</file>
+
+<file path=ppt/slides/slide16.xml><?xml version="1.0" encoding="utf-8"?>
+<p:sld xmlns:a="http://schemas.openxmlformats.org/drawingml/2006/main" xmlns:r="http://schemas.openxmlformats.org/officeDocument/2006/relationships" xmlns:p="http://schemas.openxmlformats.org/presentationml/2006/main">
+  <p:cSld>
+    <p:spTree>
+      <p:nvGrpSpPr>
+        <p:cNvPr id="1" name=""/>
+        <p:cNvGrpSpPr/>
+        <p:nvPr/>
+      </p:nvGrpSpPr>
+      <p:grpSpPr>
+        <a:xfrm>
+          <a:off x="0" y="0"/>
+          <a:ext cx="0" cy="0"/>
+          <a:chOff x="0" y="0"/>
+          <a:chExt cx="0" cy="0"/>
+        </a:xfrm>
+      </p:grpSpPr>
+      <p:sp>
+        <p:nvSpPr>
+          <p:cNvPr id="2" name="標題 1">
+            <a:extLst>
+              <a:ext uri="{FF2B5EF4-FFF2-40B4-BE49-F238E27FC236}">
+                <a16:creationId xmlns:a16="http://schemas.microsoft.com/office/drawing/2014/main" id="{56EC4CC9-7AEA-43BD-AD40-84FFA2C1DCB1}"/>
+              </a:ext>
+            </a:extLst>
+          </p:cNvPr>
+          <p:cNvSpPr>
+            <a:spLocks noGrp="1"/>
+          </p:cNvSpPr>
+          <p:nvPr>
+            <p:ph type="title"/>
+          </p:nvPr>
+        </p:nvSpPr>
+        <p:spPr/>
+        <p:txBody>
+          <a:bodyPr/>
+          <a:lstStyle/>
+          <a:p>
+            <a:r>
+              <a:rPr lang="zh-TW" altLang="en-US" dirty="0"/>
+              <a:t>參考文獻</a:t>
+            </a:r>
+          </a:p>
+        </p:txBody>
+      </p:sp>
+      <p:sp>
+        <p:nvSpPr>
+          <p:cNvPr id="3" name="內容版面配置區 2">
+            <a:extLst>
+              <a:ext uri="{FF2B5EF4-FFF2-40B4-BE49-F238E27FC236}">
+                <a16:creationId xmlns:a16="http://schemas.microsoft.com/office/drawing/2014/main" id="{B217A71B-E812-4C44-86D2-A2144D68CA91}"/>
+              </a:ext>
+            </a:extLst>
+          </p:cNvPr>
+          <p:cNvSpPr>
+            <a:spLocks noGrp="1"/>
+          </p:cNvSpPr>
+          <p:nvPr>
+            <p:ph idx="1"/>
+          </p:nvPr>
+        </p:nvSpPr>
+        <p:spPr/>
+        <p:txBody>
+          <a:bodyPr/>
+          <a:lstStyle/>
+          <a:p>
+            <a:r>
+              <a:rPr lang="en-US" altLang="zh-TW" dirty="0">
+                <a:hlinkClick r:id="rId2"/>
+              </a:rPr>
+              <a:t>https://web.archive.org/web/20140429090836/http://www.mblondel.org/journal/2010/09/19/support-vector-machines-in-python/</a:t>
+            </a:r>
+            <a:endParaRPr lang="en-US" altLang="zh-TW" dirty="0"/>
+          </a:p>
+          <a:p>
+            <a:r>
+              <a:rPr lang="en-US" altLang="zh-TW" dirty="0">
+                <a:hlinkClick r:id="rId3"/>
+              </a:rPr>
+              <a:t>https://towardsdatascience.com/support-vector-machine-introduction-to-machine-learning-algorithms-934a444fca47</a:t>
+            </a:r>
+            <a:endParaRPr lang="en-US" altLang="zh-TW" dirty="0"/>
+          </a:p>
+          <a:p>
+            <a:endParaRPr lang="zh-TW" altLang="en-US" dirty="0"/>
+          </a:p>
+        </p:txBody>
+      </p:sp>
+    </p:spTree>
+    <p:extLst>
+      <p:ext uri="{BB962C8B-B14F-4D97-AF65-F5344CB8AC3E}">
+        <p14:creationId xmlns:p14="http://schemas.microsoft.com/office/powerpoint/2010/main" val="1552534436"/>
       </p:ext>
     </p:extLst>
   </p:cSld>
@@ -6396,7 +7698,7 @@
           <a:p>
             <a:r>
               <a:rPr lang="zh-TW" altLang="en-US" dirty="0"/>
-              <a:t>硬體需求：</a:t>
+              <a:t>環境限制：</a:t>
             </a:r>
             <a:endParaRPr lang="en-US" altLang="zh-TW" dirty="0"/>
           </a:p>
@@ -6414,7 +7716,7 @@
           <a:p>
             <a:r>
               <a:rPr lang="zh-TW" altLang="en-US" dirty="0"/>
-              <a:t>主要目標：</a:t>
+              <a:t>主要功能：</a:t>
             </a:r>
             <a:endParaRPr lang="en-US" altLang="zh-TW" dirty="0"/>
           </a:p>
@@ -6445,7 +7747,7 @@
             <a:pPr marL="285750" lvl="1"/>
             <a:r>
               <a:rPr lang="zh-TW" altLang="en-US" sz="2400" dirty="0"/>
-              <a:t>次要目標：</a:t>
+              <a:t>次要功能：</a:t>
             </a:r>
             <a:endParaRPr lang="en-US" altLang="zh-TW" sz="2400" dirty="0"/>
           </a:p>
@@ -7252,6 +8554,140 @@
           <p:cNvPr id="2" name="標題 1">
             <a:extLst>
               <a:ext uri="{FF2B5EF4-FFF2-40B4-BE49-F238E27FC236}">
+                <a16:creationId xmlns:a16="http://schemas.microsoft.com/office/drawing/2014/main" id="{7413D732-B47F-4CBB-9ED6-32527A321FF2}"/>
+              </a:ext>
+            </a:extLst>
+          </p:cNvPr>
+          <p:cNvSpPr>
+            <a:spLocks noGrp="1"/>
+          </p:cNvSpPr>
+          <p:nvPr>
+            <p:ph type="title"/>
+          </p:nvPr>
+        </p:nvSpPr>
+        <p:spPr/>
+        <p:txBody>
+          <a:bodyPr/>
+          <a:lstStyle/>
+          <a:p>
+            <a:r>
+              <a:rPr lang="zh-TW" altLang="en-US" dirty="0"/>
+              <a:t>分析 </a:t>
+            </a:r>
+            <a:r>
+              <a:rPr lang="en-US" altLang="zh-TW" dirty="0"/>
+              <a:t>-</a:t>
+            </a:r>
+            <a:r>
+              <a:rPr lang="zh-TW" altLang="en-US" dirty="0"/>
+              <a:t> </a:t>
+            </a:r>
+            <a:r>
+              <a:rPr lang="en-US" altLang="zh-TW" dirty="0"/>
+              <a:t>Work</a:t>
+            </a:r>
+            <a:r>
+              <a:rPr lang="zh-TW" altLang="en-US" dirty="0"/>
+              <a:t> </a:t>
+            </a:r>
+            <a:r>
+              <a:rPr lang="en-US" altLang="zh-TW" dirty="0"/>
+              <a:t>Breakdown</a:t>
+            </a:r>
+            <a:endParaRPr lang="zh-TW" altLang="en-US" dirty="0"/>
+          </a:p>
+        </p:txBody>
+      </p:sp>
+      <p:sp>
+        <p:nvSpPr>
+          <p:cNvPr id="3" name="內容版面配置區 2">
+            <a:extLst>
+              <a:ext uri="{FF2B5EF4-FFF2-40B4-BE49-F238E27FC236}">
+                <a16:creationId xmlns:a16="http://schemas.microsoft.com/office/drawing/2014/main" id="{0CE9BFB7-FD92-4865-80DE-BF24104A8FAF}"/>
+              </a:ext>
+            </a:extLst>
+          </p:cNvPr>
+          <p:cNvSpPr>
+            <a:spLocks noGrp="1"/>
+          </p:cNvSpPr>
+          <p:nvPr>
+            <p:ph idx="1"/>
+          </p:nvPr>
+        </p:nvSpPr>
+        <p:spPr/>
+        <p:txBody>
+          <a:bodyPr/>
+          <a:lstStyle/>
+          <a:p>
+            <a:endParaRPr lang="zh-TW" altLang="en-US" dirty="0"/>
+          </a:p>
+        </p:txBody>
+      </p:sp>
+      <p:pic>
+        <p:nvPicPr>
+          <p:cNvPr id="6" name="圖片 5">
+            <a:extLst>
+              <a:ext uri="{FF2B5EF4-FFF2-40B4-BE49-F238E27FC236}">
+                <a16:creationId xmlns:a16="http://schemas.microsoft.com/office/drawing/2014/main" id="{23DD8AE2-5D63-447F-ACA4-468B0307138C}"/>
+              </a:ext>
+            </a:extLst>
+          </p:cNvPr>
+          <p:cNvPicPr>
+            <a:picLocks noChangeAspect="1"/>
+          </p:cNvPicPr>
+          <p:nvPr/>
+        </p:nvPicPr>
+        <p:blipFill>
+          <a:blip r:embed="rId2"/>
+          <a:stretch>
+            <a:fillRect/>
+          </a:stretch>
+        </p:blipFill>
+        <p:spPr>
+          <a:xfrm>
+            <a:off x="3223850" y="2641382"/>
+            <a:ext cx="5418272" cy="3150035"/>
+          </a:xfrm>
+          <a:prstGeom prst="rect">
+            <a:avLst/>
+          </a:prstGeom>
+        </p:spPr>
+      </p:pic>
+    </p:spTree>
+    <p:extLst>
+      <p:ext uri="{BB962C8B-B14F-4D97-AF65-F5344CB8AC3E}">
+        <p14:creationId xmlns:p14="http://schemas.microsoft.com/office/powerpoint/2010/main" val="4141547473"/>
+      </p:ext>
+    </p:extLst>
+  </p:cSld>
+  <p:clrMapOvr>
+    <a:masterClrMapping/>
+  </p:clrMapOvr>
+</p:sld>
+</file>
+
+<file path=ppt/slides/slide9.xml><?xml version="1.0" encoding="utf-8"?>
+<p:sld xmlns:a="http://schemas.openxmlformats.org/drawingml/2006/main" xmlns:r="http://schemas.openxmlformats.org/officeDocument/2006/relationships" xmlns:p="http://schemas.openxmlformats.org/presentationml/2006/main">
+  <p:cSld>
+    <p:spTree>
+      <p:nvGrpSpPr>
+        <p:cNvPr id="1" name=""/>
+        <p:cNvGrpSpPr/>
+        <p:nvPr/>
+      </p:nvGrpSpPr>
+      <p:grpSpPr>
+        <a:xfrm>
+          <a:off x="0" y="0"/>
+          <a:ext cx="0" cy="0"/>
+          <a:chOff x="0" y="0"/>
+          <a:chExt cx="0" cy="0"/>
+        </a:xfrm>
+      </p:grpSpPr>
+      <p:sp>
+        <p:nvSpPr>
+          <p:cNvPr id="2" name="標題 1">
+            <a:extLst>
+              <a:ext uri="{FF2B5EF4-FFF2-40B4-BE49-F238E27FC236}">
                 <a16:creationId xmlns:a16="http://schemas.microsoft.com/office/drawing/2014/main" id="{A32A8B87-072A-4A3D-9BA1-B1073C46D9ED}"/>
               </a:ext>
             </a:extLst>
@@ -7325,510 +8761,6 @@
     <p:extLst>
       <p:ext uri="{BB962C8B-B14F-4D97-AF65-F5344CB8AC3E}">
         <p14:creationId xmlns:p14="http://schemas.microsoft.com/office/powerpoint/2010/main" val="4028675772"/>
-      </p:ext>
-    </p:extLst>
-  </p:cSld>
-  <p:clrMapOvr>
-    <a:masterClrMapping/>
-  </p:clrMapOvr>
-</p:sld>
-</file>
-
-<file path=ppt/slides/slide9.xml><?xml version="1.0" encoding="utf-8"?>
-<p:sld xmlns:a="http://schemas.openxmlformats.org/drawingml/2006/main" xmlns:r="http://schemas.openxmlformats.org/officeDocument/2006/relationships" xmlns:p="http://schemas.openxmlformats.org/presentationml/2006/main">
-  <p:cSld>
-    <p:spTree>
-      <p:nvGrpSpPr>
-        <p:cNvPr id="1" name=""/>
-        <p:cNvGrpSpPr/>
-        <p:nvPr/>
-      </p:nvGrpSpPr>
-      <p:grpSpPr>
-        <a:xfrm>
-          <a:off x="0" y="0"/>
-          <a:ext cx="0" cy="0"/>
-          <a:chOff x="0" y="0"/>
-          <a:chExt cx="0" cy="0"/>
-        </a:xfrm>
-      </p:grpSpPr>
-      <p:sp>
-        <p:nvSpPr>
-          <p:cNvPr id="2" name="標題 1">
-            <a:extLst>
-              <a:ext uri="{FF2B5EF4-FFF2-40B4-BE49-F238E27FC236}">
-                <a16:creationId xmlns:a16="http://schemas.microsoft.com/office/drawing/2014/main" id="{9F94AEA4-7803-49CC-84CF-5DF36E92463E}"/>
-              </a:ext>
-            </a:extLst>
-          </p:cNvPr>
-          <p:cNvSpPr>
-            <a:spLocks noGrp="1"/>
-          </p:cNvSpPr>
-          <p:nvPr>
-            <p:ph type="title"/>
-          </p:nvPr>
-        </p:nvSpPr>
-        <p:spPr/>
-        <p:txBody>
-          <a:bodyPr/>
-          <a:lstStyle/>
-          <a:p>
-            <a:r>
-              <a:rPr lang="zh-TW" altLang="en-US" dirty="0"/>
-              <a:t>設計 </a:t>
-            </a:r>
-            <a:r>
-              <a:rPr lang="en-US" altLang="zh-TW" dirty="0"/>
-              <a:t>–</a:t>
-            </a:r>
-            <a:r>
-              <a:rPr lang="zh-TW" altLang="en-US" dirty="0"/>
-              <a:t> </a:t>
-            </a:r>
-            <a:r>
-              <a:rPr lang="en-US" altLang="zh-TW" dirty="0"/>
-              <a:t>Rule</a:t>
-            </a:r>
-            <a:r>
-              <a:rPr lang="zh-TW" altLang="en-US" dirty="0"/>
-              <a:t> </a:t>
-            </a:r>
-            <a:r>
-              <a:rPr lang="en-US" altLang="zh-TW" dirty="0"/>
-              <a:t>Base</a:t>
-            </a:r>
-            <a:endParaRPr lang="zh-TW" altLang="en-US" dirty="0"/>
-          </a:p>
-        </p:txBody>
-      </p:sp>
-      <p:sp>
-        <p:nvSpPr>
-          <p:cNvPr id="3" name="內容版面配置區 2">
-            <a:extLst>
-              <a:ext uri="{FF2B5EF4-FFF2-40B4-BE49-F238E27FC236}">
-                <a16:creationId xmlns:a16="http://schemas.microsoft.com/office/drawing/2014/main" id="{BFB33A8A-9A71-475A-B19C-9DD193A3C3DF}"/>
-              </a:ext>
-            </a:extLst>
-          </p:cNvPr>
-          <p:cNvSpPr>
-            <a:spLocks noGrp="1"/>
-          </p:cNvSpPr>
-          <p:nvPr>
-            <p:ph idx="1"/>
-          </p:nvPr>
-        </p:nvSpPr>
-        <p:spPr>
-          <a:xfrm>
-            <a:off x="2564905" y="2556932"/>
-            <a:ext cx="3187823" cy="3318936"/>
-          </a:xfrm>
-        </p:spPr>
-        <p:txBody>
-          <a:bodyPr/>
-          <a:lstStyle/>
-          <a:p>
-            <a:r>
-              <a:rPr lang="zh-TW" altLang="en-US" dirty="0"/>
-              <a:t>輸入：</a:t>
-            </a:r>
-            <a:endParaRPr lang="en-US" altLang="zh-TW" dirty="0"/>
-          </a:p>
-          <a:p>
-            <a:pPr lvl="1"/>
-            <a:r>
-              <a:rPr lang="zh-TW" altLang="en-US" dirty="0"/>
-              <a:t>目前球</a:t>
-            </a:r>
-            <a:r>
-              <a:rPr lang="en-US" altLang="zh-TW" dirty="0"/>
-              <a:t>X</a:t>
-            </a:r>
-            <a:r>
-              <a:rPr lang="zh-TW" altLang="en-US" dirty="0"/>
-              <a:t>座標</a:t>
-            </a:r>
-            <a:endParaRPr lang="en-US" altLang="zh-TW" dirty="0"/>
-          </a:p>
-          <a:p>
-            <a:pPr lvl="1"/>
-            <a:r>
-              <a:rPr lang="zh-TW" altLang="en-US" dirty="0"/>
-              <a:t>目前球</a:t>
-            </a:r>
-            <a:r>
-              <a:rPr lang="en-US" altLang="zh-TW" dirty="0"/>
-              <a:t>Y</a:t>
-            </a:r>
-            <a:r>
-              <a:rPr lang="zh-TW" altLang="en-US" dirty="0"/>
-              <a:t>座標</a:t>
-            </a:r>
-            <a:endParaRPr lang="en-US" altLang="zh-TW" dirty="0"/>
-          </a:p>
-          <a:p>
-            <a:pPr lvl="1"/>
-            <a:r>
-              <a:rPr lang="zh-TW" altLang="en-US" dirty="0"/>
-              <a:t>前一點球</a:t>
-            </a:r>
-            <a:r>
-              <a:rPr lang="en-US" altLang="zh-TW" dirty="0"/>
-              <a:t>X</a:t>
-            </a:r>
-            <a:r>
-              <a:rPr lang="zh-TW" altLang="en-US" dirty="0"/>
-              <a:t>座標</a:t>
-            </a:r>
-            <a:endParaRPr lang="en-US" altLang="zh-TW" dirty="0"/>
-          </a:p>
-          <a:p>
-            <a:pPr lvl="1"/>
-            <a:r>
-              <a:rPr lang="zh-TW" altLang="en-US" dirty="0"/>
-              <a:t>前一點球</a:t>
-            </a:r>
-            <a:r>
-              <a:rPr lang="en-US" altLang="zh-TW" dirty="0"/>
-              <a:t>Y</a:t>
-            </a:r>
-            <a:r>
-              <a:rPr lang="zh-TW" altLang="en-US" dirty="0"/>
-              <a:t>座標</a:t>
-            </a:r>
-            <a:endParaRPr lang="en-US" altLang="zh-TW" dirty="0"/>
-          </a:p>
-          <a:p>
-            <a:pPr lvl="1"/>
-            <a:r>
-              <a:rPr lang="zh-TW" altLang="en-US" dirty="0"/>
-              <a:t>平板</a:t>
-            </a:r>
-            <a:r>
-              <a:rPr lang="en-US" altLang="zh-TW" dirty="0"/>
-              <a:t>X</a:t>
-            </a:r>
-            <a:r>
-              <a:rPr lang="zh-TW" altLang="en-US" dirty="0"/>
-              <a:t>座標</a:t>
-            </a:r>
-            <a:endParaRPr lang="en-US" altLang="zh-TW" dirty="0"/>
-          </a:p>
-          <a:p>
-            <a:pPr lvl="1"/>
-            <a:endParaRPr lang="zh-TW" altLang="en-US" dirty="0"/>
-          </a:p>
-        </p:txBody>
-      </p:sp>
-      <p:sp>
-        <p:nvSpPr>
-          <p:cNvPr id="4" name="內容版面配置區 2">
-            <a:extLst>
-              <a:ext uri="{FF2B5EF4-FFF2-40B4-BE49-F238E27FC236}">
-                <a16:creationId xmlns:a16="http://schemas.microsoft.com/office/drawing/2014/main" id="{4ECC11A3-9704-4AAD-9965-1573CE5A66CE}"/>
-              </a:ext>
-            </a:extLst>
-          </p:cNvPr>
-          <p:cNvSpPr txBox="1">
-            <a:spLocks/>
-          </p:cNvSpPr>
-          <p:nvPr/>
-        </p:nvSpPr>
-        <p:spPr>
-          <a:xfrm>
-            <a:off x="6632362" y="2556932"/>
-            <a:ext cx="3187823" cy="3318936"/>
-          </a:xfrm>
-          <a:prstGeom prst="rect">
-            <a:avLst/>
-          </a:prstGeom>
-        </p:spPr>
-        <p:txBody>
-          <a:bodyPr vert="horz" lIns="91440" tIns="45720" rIns="91440" bIns="45720" rtlCol="0" anchor="t">
-            <a:normAutofit/>
-          </a:bodyPr>
-          <a:lstStyle>
-            <a:lvl1pPr marL="285750" indent="-285750" algn="l" defTabSz="457200" rtl="0" eaLnBrk="1" latinLnBrk="0" hangingPunct="1">
-              <a:spcBef>
-                <a:spcPct val="20000"/>
-              </a:spcBef>
-              <a:spcAft>
-                <a:spcPts val="600"/>
-              </a:spcAft>
-              <a:buClr>
-                <a:schemeClr val="accent1"/>
-              </a:buClr>
-              <a:buSzPct val="115000"/>
-              <a:buFont typeface="Arial"/>
-              <a:buChar char="•"/>
-              <a:defRPr sz="2400" kern="1200" cap="none">
-                <a:solidFill>
-                  <a:schemeClr val="tx1">
-                    <a:lumMod val="85000"/>
-                    <a:lumOff val="15000"/>
-                  </a:schemeClr>
-                </a:solidFill>
-                <a:effectLst/>
-                <a:latin typeface="+mn-lt"/>
-                <a:ea typeface="+mn-ea"/>
-                <a:cs typeface="+mn-cs"/>
-              </a:defRPr>
-            </a:lvl1pPr>
-            <a:lvl2pPr marL="742950" indent="-285750" algn="l" defTabSz="457200" rtl="0" eaLnBrk="1" latinLnBrk="0" hangingPunct="1">
-              <a:spcBef>
-                <a:spcPct val="20000"/>
-              </a:spcBef>
-              <a:spcAft>
-                <a:spcPts val="600"/>
-              </a:spcAft>
-              <a:buClr>
-                <a:schemeClr val="accent1"/>
-              </a:buClr>
-              <a:buSzPct val="115000"/>
-              <a:buFont typeface="Arial"/>
-              <a:buChar char="•"/>
-              <a:defRPr sz="2000" kern="1200" cap="none">
-                <a:solidFill>
-                  <a:schemeClr val="tx1">
-                    <a:lumMod val="85000"/>
-                    <a:lumOff val="15000"/>
-                  </a:schemeClr>
-                </a:solidFill>
-                <a:effectLst/>
-                <a:latin typeface="+mn-lt"/>
-                <a:ea typeface="+mn-ea"/>
-                <a:cs typeface="+mn-cs"/>
-              </a:defRPr>
-            </a:lvl2pPr>
-            <a:lvl3pPr marL="1200150" indent="-285750" algn="l" defTabSz="457200" rtl="0" eaLnBrk="1" latinLnBrk="0" hangingPunct="1">
-              <a:spcBef>
-                <a:spcPct val="20000"/>
-              </a:spcBef>
-              <a:spcAft>
-                <a:spcPts val="600"/>
-              </a:spcAft>
-              <a:buClr>
-                <a:schemeClr val="accent1"/>
-              </a:buClr>
-              <a:buSzPct val="115000"/>
-              <a:buFont typeface="Arial"/>
-              <a:buChar char="•"/>
-              <a:defRPr sz="1800" kern="1200" cap="none">
-                <a:solidFill>
-                  <a:schemeClr val="tx1">
-                    <a:lumMod val="85000"/>
-                    <a:lumOff val="15000"/>
-                  </a:schemeClr>
-                </a:solidFill>
-                <a:effectLst/>
-                <a:latin typeface="+mn-lt"/>
-                <a:ea typeface="+mn-ea"/>
-                <a:cs typeface="+mn-cs"/>
-              </a:defRPr>
-            </a:lvl3pPr>
-            <a:lvl4pPr marL="1543050" indent="-171450" algn="l" defTabSz="457200" rtl="0" eaLnBrk="1" latinLnBrk="0" hangingPunct="1">
-              <a:spcBef>
-                <a:spcPct val="20000"/>
-              </a:spcBef>
-              <a:spcAft>
-                <a:spcPts val="600"/>
-              </a:spcAft>
-              <a:buClr>
-                <a:schemeClr val="accent1"/>
-              </a:buClr>
-              <a:buSzPct val="115000"/>
-              <a:buFont typeface="Arial"/>
-              <a:buChar char="•"/>
-              <a:defRPr sz="1600" kern="1200" cap="none">
-                <a:solidFill>
-                  <a:schemeClr val="tx1">
-                    <a:lumMod val="85000"/>
-                    <a:lumOff val="15000"/>
-                  </a:schemeClr>
-                </a:solidFill>
-                <a:effectLst/>
-                <a:latin typeface="+mn-lt"/>
-                <a:ea typeface="+mn-ea"/>
-                <a:cs typeface="+mn-cs"/>
-              </a:defRPr>
-            </a:lvl4pPr>
-            <a:lvl5pPr marL="2000250" indent="-171450" algn="l" defTabSz="457200" rtl="0" eaLnBrk="1" latinLnBrk="0" hangingPunct="1">
-              <a:spcBef>
-                <a:spcPct val="20000"/>
-              </a:spcBef>
-              <a:spcAft>
-                <a:spcPts val="600"/>
-              </a:spcAft>
-              <a:buClr>
-                <a:schemeClr val="accent1"/>
-              </a:buClr>
-              <a:buSzPct val="115000"/>
-              <a:buFont typeface="Arial"/>
-              <a:buChar char="•"/>
-              <a:defRPr sz="1400" kern="1200" cap="none">
-                <a:solidFill>
-                  <a:schemeClr val="tx1">
-                    <a:lumMod val="85000"/>
-                    <a:lumOff val="15000"/>
-                  </a:schemeClr>
-                </a:solidFill>
-                <a:effectLst/>
-                <a:latin typeface="+mn-lt"/>
-                <a:ea typeface="+mn-ea"/>
-                <a:cs typeface="+mn-cs"/>
-              </a:defRPr>
-            </a:lvl5pPr>
-            <a:lvl6pPr marL="2514600" indent="-228600" algn="l" defTabSz="457200" rtl="0" eaLnBrk="1" latinLnBrk="0" hangingPunct="1">
-              <a:spcBef>
-                <a:spcPct val="20000"/>
-              </a:spcBef>
-              <a:spcAft>
-                <a:spcPts val="600"/>
-              </a:spcAft>
-              <a:buClr>
-                <a:schemeClr val="accent1"/>
-              </a:buClr>
-              <a:buSzPct val="115000"/>
-              <a:buFont typeface="Arial"/>
-              <a:buChar char="•"/>
-              <a:defRPr sz="1400" kern="1200" cap="none">
-                <a:solidFill>
-                  <a:schemeClr val="tx1">
-                    <a:lumMod val="85000"/>
-                    <a:lumOff val="15000"/>
-                  </a:schemeClr>
-                </a:solidFill>
-                <a:effectLst/>
-                <a:latin typeface="+mn-lt"/>
-                <a:ea typeface="+mn-ea"/>
-                <a:cs typeface="+mn-cs"/>
-              </a:defRPr>
-            </a:lvl6pPr>
-            <a:lvl7pPr marL="2971800" indent="-228600" algn="l" defTabSz="457200" rtl="0" eaLnBrk="1" latinLnBrk="0" hangingPunct="1">
-              <a:spcBef>
-                <a:spcPct val="20000"/>
-              </a:spcBef>
-              <a:spcAft>
-                <a:spcPts val="600"/>
-              </a:spcAft>
-              <a:buClr>
-                <a:schemeClr val="accent1"/>
-              </a:buClr>
-              <a:buSzPct val="115000"/>
-              <a:buFont typeface="Arial"/>
-              <a:buChar char="•"/>
-              <a:defRPr sz="1400" kern="1200" cap="none">
-                <a:solidFill>
-                  <a:schemeClr val="tx1">
-                    <a:lumMod val="85000"/>
-                    <a:lumOff val="15000"/>
-                  </a:schemeClr>
-                </a:solidFill>
-                <a:effectLst/>
-                <a:latin typeface="+mn-lt"/>
-                <a:ea typeface="+mn-ea"/>
-                <a:cs typeface="+mn-cs"/>
-              </a:defRPr>
-            </a:lvl7pPr>
-            <a:lvl8pPr marL="3429000" indent="-228600" algn="l" defTabSz="457200" rtl="0" eaLnBrk="1" latinLnBrk="0" hangingPunct="1">
-              <a:spcBef>
-                <a:spcPct val="20000"/>
-              </a:spcBef>
-              <a:spcAft>
-                <a:spcPts val="600"/>
-              </a:spcAft>
-              <a:buClr>
-                <a:schemeClr val="accent1"/>
-              </a:buClr>
-              <a:buSzPct val="115000"/>
-              <a:buFont typeface="Arial"/>
-              <a:buChar char="•"/>
-              <a:defRPr sz="1400" kern="1200" cap="none">
-                <a:solidFill>
-                  <a:schemeClr val="tx1">
-                    <a:lumMod val="85000"/>
-                    <a:lumOff val="15000"/>
-                  </a:schemeClr>
-                </a:solidFill>
-                <a:effectLst/>
-                <a:latin typeface="+mn-lt"/>
-                <a:ea typeface="+mn-ea"/>
-                <a:cs typeface="+mn-cs"/>
-              </a:defRPr>
-            </a:lvl8pPr>
-            <a:lvl9pPr marL="3886200" indent="-228600" algn="l" defTabSz="457200" rtl="0" eaLnBrk="1" latinLnBrk="0" hangingPunct="1">
-              <a:spcBef>
-                <a:spcPct val="20000"/>
-              </a:spcBef>
-              <a:spcAft>
-                <a:spcPts val="600"/>
-              </a:spcAft>
-              <a:buClr>
-                <a:schemeClr val="accent1"/>
-              </a:buClr>
-              <a:buSzPct val="115000"/>
-              <a:buFont typeface="Arial"/>
-              <a:buChar char="•"/>
-              <a:defRPr sz="1400" kern="1200" cap="none">
-                <a:solidFill>
-                  <a:schemeClr val="tx1">
-                    <a:lumMod val="85000"/>
-                    <a:lumOff val="15000"/>
-                  </a:schemeClr>
-                </a:solidFill>
-                <a:effectLst/>
-                <a:latin typeface="+mn-lt"/>
-                <a:ea typeface="+mn-ea"/>
-                <a:cs typeface="+mn-cs"/>
-              </a:defRPr>
-            </a:lvl9pPr>
-          </a:lstStyle>
-          <a:p>
-            <a:r>
-              <a:rPr lang="zh-TW" altLang="en-US" dirty="0"/>
-              <a:t>輸出：</a:t>
-            </a:r>
-            <a:endParaRPr lang="en-US" altLang="zh-TW" dirty="0"/>
-          </a:p>
-          <a:p>
-            <a:pPr lvl="1"/>
-            <a:r>
-              <a:rPr lang="zh-TW" altLang="en-US" dirty="0"/>
-              <a:t>預測落點</a:t>
-            </a:r>
-            <a:endParaRPr lang="en-US" altLang="zh-TW" dirty="0"/>
-          </a:p>
-          <a:p>
-            <a:pPr lvl="1"/>
-            <a:r>
-              <a:rPr lang="zh-TW" altLang="en-US" dirty="0"/>
-              <a:t>平板左移</a:t>
-            </a:r>
-            <a:endParaRPr lang="en-US" altLang="zh-TW" dirty="0"/>
-          </a:p>
-          <a:p>
-            <a:pPr lvl="1"/>
-            <a:r>
-              <a:rPr lang="zh-TW" altLang="en-US" dirty="0"/>
-              <a:t>平板右移</a:t>
-            </a:r>
-            <a:endParaRPr lang="en-US" altLang="zh-TW" dirty="0"/>
-          </a:p>
-          <a:p>
-            <a:pPr lvl="1"/>
-            <a:r>
-              <a:rPr lang="zh-TW" altLang="en-US" dirty="0"/>
-              <a:t>平板靜止</a:t>
-            </a:r>
-          </a:p>
-          <a:p>
-            <a:pPr lvl="1"/>
-            <a:endParaRPr lang="zh-TW" altLang="en-US" dirty="0"/>
-          </a:p>
-        </p:txBody>
-      </p:sp>
-    </p:spTree>
-    <p:extLst>
-      <p:ext uri="{BB962C8B-B14F-4D97-AF65-F5344CB8AC3E}">
-        <p14:creationId xmlns:p14="http://schemas.microsoft.com/office/powerpoint/2010/main" val="287027274"/>
       </p:ext>
     </p:extLst>
   </p:cSld>
